--- a/Reversi.pptx
+++ b/Reversi.pptx
@@ -312,6 +312,7 @@
           <a:p>
             <a:fld id="{A2C23045-2295-4BC9-A3F3-33602CAD400C}" type="datetimeFigureOut">
               <a:rPr lang="nl-NL" smtClean="0"/>
+              <a:pPr/>
               <a:t>18-11-2015</a:t>
             </a:fld>
             <a:endParaRPr lang="nl-NL"/>
@@ -364,6 +365,7 @@
           <a:p>
             <a:fld id="{A3CDDB80-1170-4E33-84E5-44C8CAB2AC2F}" type="slidenum">
               <a:rPr lang="nl-NL" smtClean="0"/>
+              <a:pPr/>
               <a:t>‹nr.›</a:t>
             </a:fld>
             <a:endParaRPr lang="nl-NL"/>
@@ -665,6 +667,7 @@
           <a:p>
             <a:fld id="{A2C23045-2295-4BC9-A3F3-33602CAD400C}" type="datetimeFigureOut">
               <a:rPr lang="nl-NL" smtClean="0"/>
+              <a:pPr/>
               <a:t>18-11-2015</a:t>
             </a:fld>
             <a:endParaRPr lang="nl-NL"/>
@@ -707,6 +710,7 @@
           <a:p>
             <a:fld id="{A3CDDB80-1170-4E33-84E5-44C8CAB2AC2F}" type="slidenum">
               <a:rPr lang="nl-NL" smtClean="0"/>
+              <a:pPr/>
               <a:t>‹nr.›</a:t>
             </a:fld>
             <a:endParaRPr lang="nl-NL"/>
@@ -840,6 +844,7 @@
           <a:p>
             <a:fld id="{A2C23045-2295-4BC9-A3F3-33602CAD400C}" type="datetimeFigureOut">
               <a:rPr lang="nl-NL" smtClean="0"/>
+              <a:pPr/>
               <a:t>18-11-2015</a:t>
             </a:fld>
             <a:endParaRPr lang="nl-NL"/>
@@ -882,6 +887,7 @@
           <a:p>
             <a:fld id="{A3CDDB80-1170-4E33-84E5-44C8CAB2AC2F}" type="slidenum">
               <a:rPr lang="nl-NL" smtClean="0"/>
+              <a:pPr/>
               <a:t>‹nr.›</a:t>
             </a:fld>
             <a:endParaRPr lang="nl-NL"/>
@@ -953,6 +959,7 @@
           <a:p>
             <a:fld id="{A2C23045-2295-4BC9-A3F3-33602CAD400C}" type="datetimeFigureOut">
               <a:rPr lang="nl-NL" smtClean="0"/>
+              <a:pPr/>
               <a:t>18-11-2015</a:t>
             </a:fld>
             <a:endParaRPr lang="nl-NL"/>
@@ -995,6 +1002,7 @@
           <a:p>
             <a:fld id="{A3CDDB80-1170-4E33-84E5-44C8CAB2AC2F}" type="slidenum">
               <a:rPr lang="nl-NL" smtClean="0"/>
+              <a:pPr/>
               <a:t>‹nr.›</a:t>
             </a:fld>
             <a:endParaRPr lang="nl-NL"/>
@@ -1311,6 +1319,7 @@
           <a:p>
             <a:fld id="{A2C23045-2295-4BC9-A3F3-33602CAD400C}" type="datetimeFigureOut">
               <a:rPr lang="nl-NL" smtClean="0"/>
+              <a:pPr/>
               <a:t>18-11-2015</a:t>
             </a:fld>
             <a:endParaRPr lang="nl-NL"/>
@@ -1505,6 +1514,7 @@
           <a:p>
             <a:fld id="{A3CDDB80-1170-4E33-84E5-44C8CAB2AC2F}" type="slidenum">
               <a:rPr lang="nl-NL" smtClean="0"/>
+              <a:pPr/>
               <a:t>‹nr.›</a:t>
             </a:fld>
             <a:endParaRPr lang="nl-NL"/>
@@ -1576,6 +1586,7 @@
           <a:p>
             <a:fld id="{A2C23045-2295-4BC9-A3F3-33602CAD400C}" type="datetimeFigureOut">
               <a:rPr lang="nl-NL" smtClean="0"/>
+              <a:pPr/>
               <a:t>18-11-2015</a:t>
             </a:fld>
             <a:endParaRPr lang="nl-NL"/>
@@ -1618,6 +1629,7 @@
           <a:p>
             <a:fld id="{A3CDDB80-1170-4E33-84E5-44C8CAB2AC2F}" type="slidenum">
               <a:rPr lang="nl-NL" smtClean="0"/>
+              <a:pPr/>
               <a:t>‹nr.›</a:t>
             </a:fld>
             <a:endParaRPr lang="nl-NL"/>
@@ -1938,6 +1950,7 @@
           <a:p>
             <a:fld id="{A2C23045-2295-4BC9-A3F3-33602CAD400C}" type="datetimeFigureOut">
               <a:rPr lang="nl-NL" smtClean="0"/>
+              <a:pPr/>
               <a:t>18-11-2015</a:t>
             </a:fld>
             <a:endParaRPr lang="nl-NL"/>
@@ -1980,6 +1993,7 @@
           <a:p>
             <a:fld id="{A3CDDB80-1170-4E33-84E5-44C8CAB2AC2F}" type="slidenum">
               <a:rPr lang="nl-NL" smtClean="0"/>
+              <a:pPr/>
               <a:t>‹nr.›</a:t>
             </a:fld>
             <a:endParaRPr lang="nl-NL"/>
@@ -2165,6 +2179,7 @@
           <a:p>
             <a:fld id="{A2C23045-2295-4BC9-A3F3-33602CAD400C}" type="datetimeFigureOut">
               <a:rPr lang="nl-NL" smtClean="0"/>
+              <a:pPr/>
               <a:t>18-11-2015</a:t>
             </a:fld>
             <a:endParaRPr lang="nl-NL"/>
@@ -2207,6 +2222,7 @@
           <a:p>
             <a:fld id="{A3CDDB80-1170-4E33-84E5-44C8CAB2AC2F}" type="slidenum">
               <a:rPr lang="nl-NL" smtClean="0"/>
+              <a:pPr/>
               <a:t>‹nr.›</a:t>
             </a:fld>
             <a:endParaRPr lang="nl-NL"/>
@@ -2255,6 +2271,7 @@
           <a:p>
             <a:fld id="{A2C23045-2295-4BC9-A3F3-33602CAD400C}" type="datetimeFigureOut">
               <a:rPr lang="nl-NL" smtClean="0"/>
+              <a:pPr/>
               <a:t>18-11-2015</a:t>
             </a:fld>
             <a:endParaRPr lang="nl-NL"/>
@@ -2297,6 +2314,7 @@
           <a:p>
             <a:fld id="{A3CDDB80-1170-4E33-84E5-44C8CAB2AC2F}" type="slidenum">
               <a:rPr lang="nl-NL" smtClean="0"/>
+              <a:pPr/>
               <a:t>‹nr.›</a:t>
             </a:fld>
             <a:endParaRPr lang="nl-NL"/>
@@ -2522,6 +2540,7 @@
           <a:p>
             <a:fld id="{A2C23045-2295-4BC9-A3F3-33602CAD400C}" type="datetimeFigureOut">
               <a:rPr lang="nl-NL" smtClean="0"/>
+              <a:pPr/>
               <a:t>18-11-2015</a:t>
             </a:fld>
             <a:endParaRPr lang="nl-NL"/>
@@ -2564,6 +2583,7 @@
           <a:p>
             <a:fld id="{A3CDDB80-1170-4E33-84E5-44C8CAB2AC2F}" type="slidenum">
               <a:rPr lang="nl-NL" smtClean="0"/>
+              <a:pPr/>
               <a:t>‹nr.›</a:t>
             </a:fld>
             <a:endParaRPr lang="nl-NL"/>
@@ -2750,6 +2770,7 @@
           <a:p>
             <a:fld id="{A2C23045-2295-4BC9-A3F3-33602CAD400C}" type="datetimeFigureOut">
               <a:rPr lang="nl-NL" smtClean="0"/>
+              <a:pPr/>
               <a:t>18-11-2015</a:t>
             </a:fld>
             <a:endParaRPr lang="nl-NL"/>
@@ -2802,6 +2823,7 @@
           <a:p>
             <a:fld id="{A3CDDB80-1170-4E33-84E5-44C8CAB2AC2F}" type="slidenum">
               <a:rPr lang="nl-NL" smtClean="0"/>
+              <a:pPr/>
               <a:t>‹nr.›</a:t>
             </a:fld>
             <a:endParaRPr lang="nl-NL"/>
@@ -3249,6 +3271,7 @@
           <a:p>
             <a:fld id="{A2C23045-2295-4BC9-A3F3-33602CAD400C}" type="datetimeFigureOut">
               <a:rPr lang="nl-NL" smtClean="0"/>
+              <a:pPr/>
               <a:t>18-11-2015</a:t>
             </a:fld>
             <a:endParaRPr lang="nl-NL"/>
@@ -3331,6 +3354,7 @@
           <a:p>
             <a:fld id="{A3CDDB80-1170-4E33-84E5-44C8CAB2AC2F}" type="slidenum">
               <a:rPr lang="nl-NL" smtClean="0"/>
+              <a:pPr/>
               <a:t>‹nr.›</a:t>
             </a:fld>
             <a:endParaRPr lang="nl-NL"/>
@@ -3687,6 +3711,21 @@
               <a:rPr lang="nl-NL" dirty="0" smtClean="0"/>
               <a:t> Java </a:t>
             </a:r>
+            <a:endParaRPr lang="nl-NL" dirty="0" smtClean="0"/>
+          </a:p>
+          <a:p>
+            <a:r>
+              <a:rPr lang="nl-NL" dirty="0" smtClean="0"/>
+              <a:t>Young </a:t>
+            </a:r>
+            <a:r>
+              <a:rPr lang="nl-NL" dirty="0" err="1" smtClean="0"/>
+              <a:t>Capital</a:t>
+            </a:r>
+            <a:r>
+              <a:rPr lang="nl-NL" dirty="0" smtClean="0"/>
+              <a:t> Professionals</a:t>
+            </a:r>
             <a:endParaRPr lang="nl-NL" dirty="0"/>
           </a:p>
         </p:txBody>
@@ -3717,7 +3756,7 @@
     </p:spTree>
     <p:extLst>
       <p:ext uri="{BB962C8B-B14F-4D97-AF65-F5344CB8AC3E}">
-        <p14:creationId xmlns:p14="http://schemas.microsoft.com/office/powerpoint/2010/main" val="2573907673"/>
+        <p14:creationId xmlns:p14="http://schemas.microsoft.com/office/powerpoint/2010/main" xmlns="" val="2573907673"/>
       </p:ext>
     </p:extLst>
   </p:cSld>
@@ -3802,10 +3841,10 @@
           <p:nvPr/>
         </p:nvPicPr>
         <p:blipFill>
-          <a:blip r:embed="rId2">
+          <a:blip r:embed="rId2" cstate="print">
             <a:extLst>
               <a:ext uri="{28A0092B-C50C-407E-A947-70E740481C1C}">
-                <a14:useLocalDpi xmlns:a14="http://schemas.microsoft.com/office/drawing/2010/main" val="0"/>
+                <a14:useLocalDpi xmlns:a14="http://schemas.microsoft.com/office/drawing/2010/main" xmlns="" val="0"/>
               </a:ext>
             </a:extLst>
           </a:blip>
@@ -3816,8 +3855,8 @@
         </p:blipFill>
         <p:spPr bwMode="auto">
           <a:xfrm>
-            <a:off x="1547664" y="1844824"/>
-            <a:ext cx="6448425" cy="3914775"/>
+            <a:off x="179512" y="1268760"/>
+            <a:ext cx="8640960" cy="5245841"/>
           </a:xfrm>
           <a:prstGeom prst="rect">
             <a:avLst/>
@@ -3828,14 +3867,14 @@
           </a:ln>
           <a:extLst>
             <a:ext uri="{909E8E84-426E-40DD-AFC4-6F175D3DCCD1}">
-              <a14:hiddenFill xmlns:a14="http://schemas.microsoft.com/office/drawing/2010/main">
+              <a14:hiddenFill xmlns:a14="http://schemas.microsoft.com/office/drawing/2010/main" xmlns="">
                 <a:solidFill>
                   <a:schemeClr val="accent1"/>
                 </a:solidFill>
               </a14:hiddenFill>
             </a:ext>
             <a:ext uri="{91240B29-F687-4F45-9708-019B960494DF}">
-              <a14:hiddenLine xmlns:a14="http://schemas.microsoft.com/office/drawing/2010/main" w="9525">
+              <a14:hiddenLine xmlns:a14="http://schemas.microsoft.com/office/drawing/2010/main" xmlns="" w="9525">
                 <a:solidFill>
                   <a:schemeClr val="tx1"/>
                 </a:solidFill>
@@ -3850,7 +3889,7 @@
     </p:spTree>
     <p:extLst>
       <p:ext uri="{BB962C8B-B14F-4D97-AF65-F5344CB8AC3E}">
-        <p14:creationId xmlns:p14="http://schemas.microsoft.com/office/powerpoint/2010/main" val="1561711929"/>
+        <p14:creationId xmlns:p14="http://schemas.microsoft.com/office/powerpoint/2010/main" xmlns="" val="1561711929"/>
       </p:ext>
     </p:extLst>
   </p:cSld>
@@ -3964,11 +4003,11 @@
             </a:r>
             <a:r>
               <a:rPr lang="nl-NL" dirty="0" smtClean="0"/>
-              <a:t> move? API call </a:t>
+              <a:t> move? API call to </a:t>
             </a:r>
             <a:r>
               <a:rPr lang="nl-NL" dirty="0" err="1" smtClean="0"/>
-              <a:t>to</a:t>
+              <a:t>refresh</a:t>
             </a:r>
             <a:r>
               <a:rPr lang="nl-NL" dirty="0" smtClean="0"/>
@@ -3976,7 +4015,11 @@
             </a:r>
             <a:r>
               <a:rPr lang="nl-NL" dirty="0" err="1" smtClean="0"/>
-              <a:t>refresh</a:t>
+              <a:t>with</a:t>
+            </a:r>
+            <a:r>
+              <a:rPr lang="nl-NL" dirty="0" smtClean="0"/>
+              <a:t> AJAX</a:t>
             </a:r>
             <a:endParaRPr lang="nl-NL" dirty="0"/>
           </a:p>
@@ -3997,7 +4040,7 @@
     </p:spTree>
     <p:extLst>
       <p:ext uri="{BB962C8B-B14F-4D97-AF65-F5344CB8AC3E}">
-        <p14:creationId xmlns:p14="http://schemas.microsoft.com/office/powerpoint/2010/main" val="2305397116"/>
+        <p14:creationId xmlns:p14="http://schemas.microsoft.com/office/powerpoint/2010/main" xmlns="" val="2305397116"/>
       </p:ext>
     </p:extLst>
   </p:cSld>
@@ -4113,7 +4156,7 @@
           <a:blip r:embed="rId2" cstate="print">
             <a:extLst>
               <a:ext uri="{28A0092B-C50C-407E-A947-70E740481C1C}">
-                <a14:useLocalDpi xmlns:a14="http://schemas.microsoft.com/office/drawing/2010/main" val="0"/>
+                <a14:useLocalDpi xmlns:a14="http://schemas.microsoft.com/office/drawing/2010/main" xmlns="" val="0"/>
               </a:ext>
             </a:extLst>
           </a:blip>
@@ -4133,7 +4176,7 @@
           <a:noFill/>
           <a:extLst>
             <a:ext uri="{909E8E84-426E-40DD-AFC4-6F175D3DCCD1}">
-              <a14:hiddenFill xmlns:a14="http://schemas.microsoft.com/office/drawing/2010/main">
+              <a14:hiddenFill xmlns:a14="http://schemas.microsoft.com/office/drawing/2010/main" xmlns="">
                 <a:solidFill>
                   <a:srgbClr val="FFFFFF"/>
                 </a:solidFill>
@@ -4145,7 +4188,7 @@
     </p:spTree>
     <p:extLst>
       <p:ext uri="{BB962C8B-B14F-4D97-AF65-F5344CB8AC3E}">
-        <p14:creationId xmlns:p14="http://schemas.microsoft.com/office/powerpoint/2010/main" val="1898811129"/>
+        <p14:creationId xmlns:p14="http://schemas.microsoft.com/office/powerpoint/2010/main" xmlns="" val="1898811129"/>
       </p:ext>
     </p:extLst>
   </p:cSld>
@@ -4225,10 +4268,10 @@
           </p:nvPr>
         </p:nvPicPr>
         <p:blipFill>
-          <a:blip r:embed="rId2">
+          <a:blip r:embed="rId2" cstate="print">
             <a:extLst>
               <a:ext uri="{28A0092B-C50C-407E-A947-70E740481C1C}">
-                <a14:useLocalDpi xmlns:a14="http://schemas.microsoft.com/office/drawing/2010/main" val="0"/>
+                <a14:useLocalDpi xmlns:a14="http://schemas.microsoft.com/office/drawing/2010/main" xmlns="" val="0"/>
               </a:ext>
             </a:extLst>
           </a:blip>
@@ -4251,14 +4294,14 @@
           </a:ln>
           <a:extLst>
             <a:ext uri="{909E8E84-426E-40DD-AFC4-6F175D3DCCD1}">
-              <a14:hiddenFill xmlns:a14="http://schemas.microsoft.com/office/drawing/2010/main">
+              <a14:hiddenFill xmlns:a14="http://schemas.microsoft.com/office/drawing/2010/main" xmlns="">
                 <a:solidFill>
                   <a:schemeClr val="accent1"/>
                 </a:solidFill>
               </a14:hiddenFill>
             </a:ext>
             <a:ext uri="{91240B29-F687-4F45-9708-019B960494DF}">
-              <a14:hiddenLine xmlns:a14="http://schemas.microsoft.com/office/drawing/2010/main" w="9525">
+              <a14:hiddenLine xmlns:a14="http://schemas.microsoft.com/office/drawing/2010/main" xmlns="" w="9525">
                 <a:solidFill>
                   <a:schemeClr val="tx1"/>
                 </a:solidFill>
@@ -4273,7 +4316,7 @@
     </p:spTree>
     <p:extLst>
       <p:ext uri="{BB962C8B-B14F-4D97-AF65-F5344CB8AC3E}">
-        <p14:creationId xmlns:p14="http://schemas.microsoft.com/office/powerpoint/2010/main" val="1016662183"/>
+        <p14:creationId xmlns:p14="http://schemas.microsoft.com/office/powerpoint/2010/main" xmlns="" val="1016662183"/>
       </p:ext>
     </p:extLst>
   </p:cSld>
@@ -4358,10 +4401,10 @@
           <p:nvPr/>
         </p:nvPicPr>
         <p:blipFill>
-          <a:blip r:embed="rId2">
+          <a:blip r:embed="rId2" cstate="print">
             <a:extLst>
               <a:ext uri="{28A0092B-C50C-407E-A947-70E740481C1C}">
-                <a14:useLocalDpi xmlns:a14="http://schemas.microsoft.com/office/drawing/2010/main" val="0"/>
+                <a14:useLocalDpi xmlns:a14="http://schemas.microsoft.com/office/drawing/2010/main" xmlns="" val="0"/>
               </a:ext>
             </a:extLst>
           </a:blip>
@@ -4372,8 +4415,8 @@
         </p:blipFill>
         <p:spPr bwMode="auto">
           <a:xfrm>
-            <a:off x="1763688" y="2547937"/>
-            <a:ext cx="6196412" cy="2465239"/>
+            <a:off x="251519" y="1340768"/>
+            <a:ext cx="8687669" cy="3456384"/>
           </a:xfrm>
           <a:prstGeom prst="rect">
             <a:avLst/>
@@ -4381,7 +4424,7 @@
           <a:noFill/>
           <a:extLst>
             <a:ext uri="{909E8E84-426E-40DD-AFC4-6F175D3DCCD1}">
-              <a14:hiddenFill xmlns:a14="http://schemas.microsoft.com/office/drawing/2010/main">
+              <a14:hiddenFill xmlns:a14="http://schemas.microsoft.com/office/drawing/2010/main" xmlns="">
                 <a:solidFill>
                   <a:srgbClr val="FFFFFF"/>
                 </a:solidFill>
@@ -4393,7 +4436,7 @@
     </p:spTree>
     <p:extLst>
       <p:ext uri="{BB962C8B-B14F-4D97-AF65-F5344CB8AC3E}">
-        <p14:creationId xmlns:p14="http://schemas.microsoft.com/office/powerpoint/2010/main" val="1621369658"/>
+        <p14:creationId xmlns:p14="http://schemas.microsoft.com/office/powerpoint/2010/main" xmlns="" val="1621369658"/>
       </p:ext>
     </p:extLst>
   </p:cSld>
@@ -4478,10 +4521,10 @@
           <p:nvPr/>
         </p:nvPicPr>
         <p:blipFill>
-          <a:blip r:embed="rId2">
+          <a:blip r:embed="rId2" cstate="print">
             <a:extLst>
               <a:ext uri="{28A0092B-C50C-407E-A947-70E740481C1C}">
-                <a14:useLocalDpi xmlns:a14="http://schemas.microsoft.com/office/drawing/2010/main" val="0"/>
+                <a14:useLocalDpi xmlns:a14="http://schemas.microsoft.com/office/drawing/2010/main" xmlns="" val="0"/>
               </a:ext>
             </a:extLst>
           </a:blip>
@@ -4504,14 +4547,14 @@
           </a:ln>
           <a:extLst>
             <a:ext uri="{909E8E84-426E-40DD-AFC4-6F175D3DCCD1}">
-              <a14:hiddenFill xmlns:a14="http://schemas.microsoft.com/office/drawing/2010/main">
+              <a14:hiddenFill xmlns:a14="http://schemas.microsoft.com/office/drawing/2010/main" xmlns="">
                 <a:solidFill>
                   <a:schemeClr val="accent1"/>
                 </a:solidFill>
               </a14:hiddenFill>
             </a:ext>
             <a:ext uri="{91240B29-F687-4F45-9708-019B960494DF}">
-              <a14:hiddenLine xmlns:a14="http://schemas.microsoft.com/office/drawing/2010/main" w="9525">
+              <a14:hiddenLine xmlns:a14="http://schemas.microsoft.com/office/drawing/2010/main" xmlns="" w="9525">
                 <a:solidFill>
                   <a:schemeClr val="tx1"/>
                 </a:solidFill>
@@ -4526,7 +4569,7 @@
     </p:spTree>
     <p:extLst>
       <p:ext uri="{BB962C8B-B14F-4D97-AF65-F5344CB8AC3E}">
-        <p14:creationId xmlns:p14="http://schemas.microsoft.com/office/powerpoint/2010/main" val="3883581678"/>
+        <p14:creationId xmlns:p14="http://schemas.microsoft.com/office/powerpoint/2010/main" xmlns="" val="3883581678"/>
       </p:ext>
     </p:extLst>
   </p:cSld>
@@ -4611,10 +4654,10 @@
           <p:nvPr/>
         </p:nvPicPr>
         <p:blipFill>
-          <a:blip r:embed="rId2">
+          <a:blip r:embed="rId2" cstate="print">
             <a:extLst>
               <a:ext uri="{28A0092B-C50C-407E-A947-70E740481C1C}">
-                <a14:useLocalDpi xmlns:a14="http://schemas.microsoft.com/office/drawing/2010/main" val="0"/>
+                <a14:useLocalDpi xmlns:a14="http://schemas.microsoft.com/office/drawing/2010/main" xmlns="" val="0"/>
               </a:ext>
             </a:extLst>
           </a:blip>
@@ -4625,8 +4668,8 @@
         </p:blipFill>
         <p:spPr bwMode="auto">
           <a:xfrm>
-            <a:off x="1403648" y="2276872"/>
-            <a:ext cx="7077075" cy="2724150"/>
+            <a:off x="164653" y="1412776"/>
+            <a:ext cx="8979347" cy="3456384"/>
           </a:xfrm>
           <a:prstGeom prst="rect">
             <a:avLst/>
@@ -4637,14 +4680,14 @@
           </a:ln>
           <a:extLst>
             <a:ext uri="{909E8E84-426E-40DD-AFC4-6F175D3DCCD1}">
-              <a14:hiddenFill xmlns:a14="http://schemas.microsoft.com/office/drawing/2010/main">
+              <a14:hiddenFill xmlns:a14="http://schemas.microsoft.com/office/drawing/2010/main" xmlns="">
                 <a:solidFill>
                   <a:schemeClr val="accent1"/>
                 </a:solidFill>
               </a14:hiddenFill>
             </a:ext>
             <a:ext uri="{91240B29-F687-4F45-9708-019B960494DF}">
-              <a14:hiddenLine xmlns:a14="http://schemas.microsoft.com/office/drawing/2010/main" w="9525">
+              <a14:hiddenLine xmlns:a14="http://schemas.microsoft.com/office/drawing/2010/main" xmlns="" w="9525">
                 <a:solidFill>
                   <a:schemeClr val="tx1"/>
                 </a:solidFill>
@@ -4668,7 +4711,7 @@
           <a:blip r:embed="rId3" cstate="print">
             <a:extLst>
               <a:ext uri="{28A0092B-C50C-407E-A947-70E740481C1C}">
-                <a14:useLocalDpi xmlns:a14="http://schemas.microsoft.com/office/drawing/2010/main" val="0"/>
+                <a14:useLocalDpi xmlns:a14="http://schemas.microsoft.com/office/drawing/2010/main" xmlns="" val="0"/>
               </a:ext>
             </a:extLst>
           </a:blip>
@@ -4688,7 +4731,7 @@
           <a:noFill/>
           <a:extLst>
             <a:ext uri="{909E8E84-426E-40DD-AFC4-6F175D3DCCD1}">
-              <a14:hiddenFill xmlns:a14="http://schemas.microsoft.com/office/drawing/2010/main">
+              <a14:hiddenFill xmlns:a14="http://schemas.microsoft.com/office/drawing/2010/main" xmlns="">
                 <a:solidFill>
                   <a:srgbClr val="FFFFFF"/>
                 </a:solidFill>
@@ -4700,7 +4743,7 @@
     </p:spTree>
     <p:extLst>
       <p:ext uri="{BB962C8B-B14F-4D97-AF65-F5344CB8AC3E}">
-        <p14:creationId xmlns:p14="http://schemas.microsoft.com/office/powerpoint/2010/main" val="1027006560"/>
+        <p14:creationId xmlns:p14="http://schemas.microsoft.com/office/powerpoint/2010/main" xmlns="" val="1027006560"/>
       </p:ext>
     </p:extLst>
   </p:cSld>
@@ -4799,10 +4842,10 @@
           <p:nvPr/>
         </p:nvPicPr>
         <p:blipFill>
-          <a:blip r:embed="rId2">
+          <a:blip r:embed="rId2" cstate="print">
             <a:extLst>
               <a:ext uri="{28A0092B-C50C-407E-A947-70E740481C1C}">
-                <a14:useLocalDpi xmlns:a14="http://schemas.microsoft.com/office/drawing/2010/main" val="0"/>
+                <a14:useLocalDpi xmlns:a14="http://schemas.microsoft.com/office/drawing/2010/main" xmlns="" val="0"/>
               </a:ext>
             </a:extLst>
           </a:blip>
@@ -4813,8 +4856,8 @@
         </p:blipFill>
         <p:spPr bwMode="auto">
           <a:xfrm>
-            <a:off x="395536" y="1779857"/>
-            <a:ext cx="5440674" cy="4047331"/>
+            <a:off x="179512" y="1340768"/>
+            <a:ext cx="6624736" cy="4928158"/>
           </a:xfrm>
           <a:prstGeom prst="rect">
             <a:avLst/>
@@ -4825,14 +4868,14 @@
           </a:ln>
           <a:extLst>
             <a:ext uri="{909E8E84-426E-40DD-AFC4-6F175D3DCCD1}">
-              <a14:hiddenFill xmlns:a14="http://schemas.microsoft.com/office/drawing/2010/main">
+              <a14:hiddenFill xmlns:a14="http://schemas.microsoft.com/office/drawing/2010/main" xmlns="">
                 <a:solidFill>
                   <a:schemeClr val="accent1"/>
                 </a:solidFill>
               </a14:hiddenFill>
             </a:ext>
             <a:ext uri="{91240B29-F687-4F45-9708-019B960494DF}">
-              <a14:hiddenLine xmlns:a14="http://schemas.microsoft.com/office/drawing/2010/main" w="9525">
+              <a14:hiddenLine xmlns:a14="http://schemas.microsoft.com/office/drawing/2010/main" xmlns="" w="9525">
                 <a:solidFill>
                   <a:schemeClr val="tx1"/>
                 </a:solidFill>
@@ -4853,10 +4896,10 @@
           <p:nvPr/>
         </p:nvPicPr>
         <p:blipFill>
-          <a:blip r:embed="rId3">
+          <a:blip r:embed="rId3" cstate="print">
             <a:extLst>
               <a:ext uri="{28A0092B-C50C-407E-A947-70E740481C1C}">
-                <a14:useLocalDpi xmlns:a14="http://schemas.microsoft.com/office/drawing/2010/main" val="0"/>
+                <a14:useLocalDpi xmlns:a14="http://schemas.microsoft.com/office/drawing/2010/main" xmlns="" val="0"/>
               </a:ext>
             </a:extLst>
           </a:blip>
@@ -4867,8 +4910,8 @@
         </p:blipFill>
         <p:spPr bwMode="auto">
           <a:xfrm>
-            <a:off x="6732240" y="1536969"/>
-            <a:ext cx="2095500" cy="485775"/>
+            <a:off x="6372200" y="1700808"/>
+            <a:ext cx="2570493" cy="595887"/>
           </a:xfrm>
           <a:prstGeom prst="rect">
             <a:avLst/>
@@ -4879,14 +4922,14 @@
           </a:ln>
           <a:extLst>
             <a:ext uri="{909E8E84-426E-40DD-AFC4-6F175D3DCCD1}">
-              <a14:hiddenFill xmlns:a14="http://schemas.microsoft.com/office/drawing/2010/main">
+              <a14:hiddenFill xmlns:a14="http://schemas.microsoft.com/office/drawing/2010/main" xmlns="">
                 <a:solidFill>
                   <a:schemeClr val="accent1"/>
                 </a:solidFill>
               </a14:hiddenFill>
             </a:ext>
             <a:ext uri="{91240B29-F687-4F45-9708-019B960494DF}">
-              <a14:hiddenLine xmlns:a14="http://schemas.microsoft.com/office/drawing/2010/main" w="9525">
+              <a14:hiddenLine xmlns:a14="http://schemas.microsoft.com/office/drawing/2010/main" xmlns="" w="9525">
                 <a:solidFill>
                   <a:schemeClr val="tx1"/>
                 </a:solidFill>
@@ -4907,10 +4950,10 @@
           <p:nvPr/>
         </p:nvPicPr>
         <p:blipFill>
-          <a:blip r:embed="rId4">
+          <a:blip r:embed="rId4" cstate="print">
             <a:extLst>
               <a:ext uri="{28A0092B-C50C-407E-A947-70E740481C1C}">
-                <a14:useLocalDpi xmlns:a14="http://schemas.microsoft.com/office/drawing/2010/main" val="0"/>
+                <a14:useLocalDpi xmlns:a14="http://schemas.microsoft.com/office/drawing/2010/main" xmlns="" val="0"/>
               </a:ext>
             </a:extLst>
           </a:blip>
@@ -4930,7 +4973,7 @@
           <a:noFill/>
           <a:extLst>
             <a:ext uri="{909E8E84-426E-40DD-AFC4-6F175D3DCCD1}">
-              <a14:hiddenFill xmlns:a14="http://schemas.microsoft.com/office/drawing/2010/main">
+              <a14:hiddenFill xmlns:a14="http://schemas.microsoft.com/office/drawing/2010/main" xmlns="">
                 <a:solidFill>
                   <a:srgbClr val="FFFFFF"/>
                 </a:solidFill>
@@ -4942,7 +4985,7 @@
     </p:spTree>
     <p:extLst>
       <p:ext uri="{BB962C8B-B14F-4D97-AF65-F5344CB8AC3E}">
-        <p14:creationId xmlns:p14="http://schemas.microsoft.com/office/powerpoint/2010/main" val="931745605"/>
+        <p14:creationId xmlns:p14="http://schemas.microsoft.com/office/powerpoint/2010/main" xmlns="" val="931745605"/>
       </p:ext>
     </p:extLst>
   </p:cSld>
@@ -5027,10 +5070,10 @@
           <p:nvPr/>
         </p:nvPicPr>
         <p:blipFill>
-          <a:blip r:embed="rId2">
+          <a:blip r:embed="rId2" cstate="print">
             <a:extLst>
               <a:ext uri="{28A0092B-C50C-407E-A947-70E740481C1C}">
-                <a14:useLocalDpi xmlns:a14="http://schemas.microsoft.com/office/drawing/2010/main" val="0"/>
+                <a14:useLocalDpi xmlns:a14="http://schemas.microsoft.com/office/drawing/2010/main" xmlns="" val="0"/>
               </a:ext>
             </a:extLst>
           </a:blip>
@@ -5041,7 +5084,7 @@
         </p:blipFill>
         <p:spPr bwMode="auto">
           <a:xfrm>
-            <a:off x="2195736" y="1360014"/>
+            <a:off x="2843808" y="1268760"/>
             <a:ext cx="5188620" cy="5140799"/>
           </a:xfrm>
           <a:prstGeom prst="rect">
@@ -5053,14 +5096,14 @@
           </a:ln>
           <a:extLst>
             <a:ext uri="{909E8E84-426E-40DD-AFC4-6F175D3DCCD1}">
-              <a14:hiddenFill xmlns:a14="http://schemas.microsoft.com/office/drawing/2010/main">
+              <a14:hiddenFill xmlns:a14="http://schemas.microsoft.com/office/drawing/2010/main" xmlns="">
                 <a:solidFill>
                   <a:schemeClr val="accent1"/>
                 </a:solidFill>
               </a14:hiddenFill>
             </a:ext>
             <a:ext uri="{91240B29-F687-4F45-9708-019B960494DF}">
-              <a14:hiddenLine xmlns:a14="http://schemas.microsoft.com/office/drawing/2010/main" w="9525">
+              <a14:hiddenLine xmlns:a14="http://schemas.microsoft.com/office/drawing/2010/main" xmlns="" w="9525">
                 <a:solidFill>
                   <a:schemeClr val="tx1"/>
                 </a:solidFill>
@@ -5084,7 +5127,7 @@
           <a:blip r:embed="rId3" cstate="print">
             <a:extLst>
               <a:ext uri="{28A0092B-C50C-407E-A947-70E740481C1C}">
-                <a14:useLocalDpi xmlns:a14="http://schemas.microsoft.com/office/drawing/2010/main" val="0"/>
+                <a14:useLocalDpi xmlns:a14="http://schemas.microsoft.com/office/drawing/2010/main" xmlns="" val="0"/>
               </a:ext>
             </a:extLst>
           </a:blip>
@@ -5104,7 +5147,7 @@
           <a:noFill/>
           <a:extLst>
             <a:ext uri="{909E8E84-426E-40DD-AFC4-6F175D3DCCD1}">
-              <a14:hiddenFill xmlns:a14="http://schemas.microsoft.com/office/drawing/2010/main">
+              <a14:hiddenFill xmlns:a14="http://schemas.microsoft.com/office/drawing/2010/main" xmlns="">
                 <a:solidFill>
                   <a:srgbClr val="FFFFFF"/>
                 </a:solidFill>
@@ -5116,7 +5159,7 @@
     </p:spTree>
     <p:extLst>
       <p:ext uri="{BB962C8B-B14F-4D97-AF65-F5344CB8AC3E}">
-        <p14:creationId xmlns:p14="http://schemas.microsoft.com/office/powerpoint/2010/main" val="1965296861"/>
+        <p14:creationId xmlns:p14="http://schemas.microsoft.com/office/powerpoint/2010/main" xmlns="" val="1965296861"/>
       </p:ext>
     </p:extLst>
   </p:cSld>
@@ -5196,7 +5239,7 @@
     </p:spTree>
     <p:extLst>
       <p:ext uri="{BB962C8B-B14F-4D97-AF65-F5344CB8AC3E}">
-        <p14:creationId xmlns:p14="http://schemas.microsoft.com/office/powerpoint/2010/main" val="2234388191"/>
+        <p14:creationId xmlns:p14="http://schemas.microsoft.com/office/powerpoint/2010/main" xmlns="" val="2234388191"/>
       </p:ext>
     </p:extLst>
   </p:cSld>
@@ -5289,10 +5332,10 @@
           <p:nvPr/>
         </p:nvPicPr>
         <p:blipFill>
-          <a:blip r:embed="rId2">
+          <a:blip r:embed="rId2" cstate="print">
             <a:extLst>
               <a:ext uri="{28A0092B-C50C-407E-A947-70E740481C1C}">
-                <a14:useLocalDpi xmlns:a14="http://schemas.microsoft.com/office/drawing/2010/main" val="0"/>
+                <a14:useLocalDpi xmlns:a14="http://schemas.microsoft.com/office/drawing/2010/main" xmlns="" val="0"/>
               </a:ext>
             </a:extLst>
           </a:blip>
@@ -5315,14 +5358,14 @@
           </a:ln>
           <a:extLst>
             <a:ext uri="{909E8E84-426E-40DD-AFC4-6F175D3DCCD1}">
-              <a14:hiddenFill xmlns:a14="http://schemas.microsoft.com/office/drawing/2010/main">
+              <a14:hiddenFill xmlns:a14="http://schemas.microsoft.com/office/drawing/2010/main" xmlns="">
                 <a:solidFill>
                   <a:schemeClr val="accent1"/>
                 </a:solidFill>
               </a14:hiddenFill>
             </a:ext>
             <a:ext uri="{91240B29-F687-4F45-9708-019B960494DF}">
-              <a14:hiddenLine xmlns:a14="http://schemas.microsoft.com/office/drawing/2010/main" w="9525">
+              <a14:hiddenLine xmlns:a14="http://schemas.microsoft.com/office/drawing/2010/main" xmlns="" w="9525">
                 <a:solidFill>
                   <a:schemeClr val="tx1"/>
                 </a:solidFill>
@@ -5476,7 +5519,7 @@
     </p:spTree>
     <p:extLst>
       <p:ext uri="{BB962C8B-B14F-4D97-AF65-F5344CB8AC3E}">
-        <p14:creationId xmlns:p14="http://schemas.microsoft.com/office/powerpoint/2010/main" val="3598662363"/>
+        <p14:creationId xmlns:p14="http://schemas.microsoft.com/office/powerpoint/2010/main" xmlns="" val="3598662363"/>
       </p:ext>
     </p:extLst>
   </p:cSld>

--- a/Reversi.pptx
+++ b/Reversi.pptx
@@ -4,6 +4,9 @@
   <p:sldMasterIdLst>
     <p:sldMasterId id="2147483660" r:id="rId1"/>
   </p:sldMasterIdLst>
+  <p:notesMasterIdLst>
+    <p:notesMasterId r:id="rId14"/>
+  </p:notesMasterIdLst>
   <p:sldIdLst>
     <p:sldId id="256" r:id="rId2"/>
     <p:sldId id="257" r:id="rId3"/>
@@ -12,9 +15,9 @@
     <p:sldId id="260" r:id="rId6"/>
     <p:sldId id="261" r:id="rId7"/>
     <p:sldId id="263" r:id="rId8"/>
-    <p:sldId id="262" r:id="rId9"/>
-    <p:sldId id="264" r:id="rId10"/>
-    <p:sldId id="265" r:id="rId11"/>
+    <p:sldId id="264" r:id="rId9"/>
+    <p:sldId id="265" r:id="rId10"/>
+    <p:sldId id="262" r:id="rId11"/>
     <p:sldId id="266" r:id="rId12"/>
     <p:sldId id="267" r:id="rId13"/>
   </p:sldIdLst>
@@ -118,6 +121,515 @@
 </p:presentation>
 </file>
 
+<file path=ppt/notesMasters/notesMaster1.xml><?xml version="1.0" encoding="utf-8"?>
+<p:notesMaster xmlns:a="http://schemas.openxmlformats.org/drawingml/2006/main" xmlns:r="http://schemas.openxmlformats.org/officeDocument/2006/relationships" xmlns:p="http://schemas.openxmlformats.org/presentationml/2006/main">
+  <p:cSld>
+    <p:bg>
+      <p:bgRef idx="1001">
+        <a:schemeClr val="bg1"/>
+      </p:bgRef>
+    </p:bg>
+    <p:spTree>
+      <p:nvGrpSpPr>
+        <p:cNvPr id="1" name=""/>
+        <p:cNvGrpSpPr/>
+        <p:nvPr/>
+      </p:nvGrpSpPr>
+      <p:grpSpPr>
+        <a:xfrm>
+          <a:off x="0" y="0"/>
+          <a:ext cx="0" cy="0"/>
+          <a:chOff x="0" y="0"/>
+          <a:chExt cx="0" cy="0"/>
+        </a:xfrm>
+      </p:grpSpPr>
+      <p:sp>
+        <p:nvSpPr>
+          <p:cNvPr id="2" name="Tijdelijke aanduiding voor koptekst 1"/>
+          <p:cNvSpPr>
+            <a:spLocks noGrp="1"/>
+          </p:cNvSpPr>
+          <p:nvPr>
+            <p:ph type="hdr" sz="quarter"/>
+          </p:nvPr>
+        </p:nvSpPr>
+        <p:spPr>
+          <a:xfrm>
+            <a:off x="0" y="0"/>
+            <a:ext cx="2971800" cy="457200"/>
+          </a:xfrm>
+          <a:prstGeom prst="rect">
+            <a:avLst/>
+          </a:prstGeom>
+        </p:spPr>
+        <p:txBody>
+          <a:bodyPr vert="horz" lIns="91440" tIns="45720" rIns="91440" bIns="45720" rtlCol="0"/>
+          <a:lstStyle>
+            <a:lvl1pPr algn="l">
+              <a:defRPr sz="1200"/>
+            </a:lvl1pPr>
+          </a:lstStyle>
+          <a:p>
+            <a:endParaRPr lang="nl-NL"/>
+          </a:p>
+        </p:txBody>
+      </p:sp>
+      <p:sp>
+        <p:nvSpPr>
+          <p:cNvPr id="3" name="Tijdelijke aanduiding voor datum 2"/>
+          <p:cNvSpPr>
+            <a:spLocks noGrp="1"/>
+          </p:cNvSpPr>
+          <p:nvPr>
+            <p:ph type="dt" idx="1"/>
+          </p:nvPr>
+        </p:nvSpPr>
+        <p:spPr>
+          <a:xfrm>
+            <a:off x="3884613" y="0"/>
+            <a:ext cx="2971800" cy="457200"/>
+          </a:xfrm>
+          <a:prstGeom prst="rect">
+            <a:avLst/>
+          </a:prstGeom>
+        </p:spPr>
+        <p:txBody>
+          <a:bodyPr vert="horz" lIns="91440" tIns="45720" rIns="91440" bIns="45720" rtlCol="0"/>
+          <a:lstStyle>
+            <a:lvl1pPr algn="r">
+              <a:defRPr sz="1200"/>
+            </a:lvl1pPr>
+          </a:lstStyle>
+          <a:p>
+            <a:fld id="{E1BAB63C-754C-4B22-9E16-440FC0FCE826}" type="datetimeFigureOut">
+              <a:rPr lang="nl-NL" smtClean="0"/>
+              <a:t>19-11-2015</a:t>
+            </a:fld>
+            <a:endParaRPr lang="nl-NL"/>
+          </a:p>
+        </p:txBody>
+      </p:sp>
+      <p:sp>
+        <p:nvSpPr>
+          <p:cNvPr id="4" name="Tijdelijke aanduiding voor dia-afbeelding 3"/>
+          <p:cNvSpPr>
+            <a:spLocks noGrp="1" noRot="1" noChangeAspect="1"/>
+          </p:cNvSpPr>
+          <p:nvPr>
+            <p:ph type="sldImg" idx="2"/>
+          </p:nvPr>
+        </p:nvSpPr>
+        <p:spPr>
+          <a:xfrm>
+            <a:off x="1143000" y="685800"/>
+            <a:ext cx="4572000" cy="3429000"/>
+          </a:xfrm>
+          <a:prstGeom prst="rect">
+            <a:avLst/>
+          </a:prstGeom>
+          <a:noFill/>
+          <a:ln w="12700">
+            <a:solidFill>
+              <a:prstClr val="black"/>
+            </a:solidFill>
+          </a:ln>
+        </p:spPr>
+        <p:txBody>
+          <a:bodyPr vert="horz" lIns="91440" tIns="45720" rIns="91440" bIns="45720" rtlCol="0" anchor="ctr"/>
+          <a:lstStyle/>
+          <a:p>
+            <a:endParaRPr lang="nl-NL"/>
+          </a:p>
+        </p:txBody>
+      </p:sp>
+      <p:sp>
+        <p:nvSpPr>
+          <p:cNvPr id="5" name="Tijdelijke aanduiding voor notities 4"/>
+          <p:cNvSpPr>
+            <a:spLocks noGrp="1"/>
+          </p:cNvSpPr>
+          <p:nvPr>
+            <p:ph type="body" sz="quarter" idx="3"/>
+          </p:nvPr>
+        </p:nvSpPr>
+        <p:spPr>
+          <a:xfrm>
+            <a:off x="685800" y="4343400"/>
+            <a:ext cx="5486400" cy="4114800"/>
+          </a:xfrm>
+          <a:prstGeom prst="rect">
+            <a:avLst/>
+          </a:prstGeom>
+        </p:spPr>
+        <p:txBody>
+          <a:bodyPr vert="horz" lIns="91440" tIns="45720" rIns="91440" bIns="45720" rtlCol="0">
+            <a:normAutofit/>
+          </a:bodyPr>
+          <a:lstStyle/>
+          <a:p>
+            <a:pPr lvl="0"/>
+            <a:r>
+              <a:rPr lang="nl-NL" smtClean="0"/>
+              <a:t>Klik om de modelstijlen te bewerken</a:t>
+            </a:r>
+          </a:p>
+          <a:p>
+            <a:pPr lvl="1"/>
+            <a:r>
+              <a:rPr lang="nl-NL" smtClean="0"/>
+              <a:t>Tweede niveau</a:t>
+            </a:r>
+          </a:p>
+          <a:p>
+            <a:pPr lvl="2"/>
+            <a:r>
+              <a:rPr lang="nl-NL" smtClean="0"/>
+              <a:t>Derde niveau</a:t>
+            </a:r>
+          </a:p>
+          <a:p>
+            <a:pPr lvl="3"/>
+            <a:r>
+              <a:rPr lang="nl-NL" smtClean="0"/>
+              <a:t>Vierde niveau</a:t>
+            </a:r>
+          </a:p>
+          <a:p>
+            <a:pPr lvl="4"/>
+            <a:r>
+              <a:rPr lang="nl-NL" smtClean="0"/>
+              <a:t>Vijfde niveau</a:t>
+            </a:r>
+            <a:endParaRPr lang="nl-NL"/>
+          </a:p>
+        </p:txBody>
+      </p:sp>
+      <p:sp>
+        <p:nvSpPr>
+          <p:cNvPr id="6" name="Tijdelijke aanduiding voor voettekst 5"/>
+          <p:cNvSpPr>
+            <a:spLocks noGrp="1"/>
+          </p:cNvSpPr>
+          <p:nvPr>
+            <p:ph type="ftr" sz="quarter" idx="4"/>
+          </p:nvPr>
+        </p:nvSpPr>
+        <p:spPr>
+          <a:xfrm>
+            <a:off x="0" y="8685213"/>
+            <a:ext cx="2971800" cy="457200"/>
+          </a:xfrm>
+          <a:prstGeom prst="rect">
+            <a:avLst/>
+          </a:prstGeom>
+        </p:spPr>
+        <p:txBody>
+          <a:bodyPr vert="horz" lIns="91440" tIns="45720" rIns="91440" bIns="45720" rtlCol="0" anchor="b"/>
+          <a:lstStyle>
+            <a:lvl1pPr algn="l">
+              <a:defRPr sz="1200"/>
+            </a:lvl1pPr>
+          </a:lstStyle>
+          <a:p>
+            <a:endParaRPr lang="nl-NL"/>
+          </a:p>
+        </p:txBody>
+      </p:sp>
+      <p:sp>
+        <p:nvSpPr>
+          <p:cNvPr id="7" name="Tijdelijke aanduiding voor dianummer 6"/>
+          <p:cNvSpPr>
+            <a:spLocks noGrp="1"/>
+          </p:cNvSpPr>
+          <p:nvPr>
+            <p:ph type="sldNum" sz="quarter" idx="5"/>
+          </p:nvPr>
+        </p:nvSpPr>
+        <p:spPr>
+          <a:xfrm>
+            <a:off x="3884613" y="8685213"/>
+            <a:ext cx="2971800" cy="457200"/>
+          </a:xfrm>
+          <a:prstGeom prst="rect">
+            <a:avLst/>
+          </a:prstGeom>
+        </p:spPr>
+        <p:txBody>
+          <a:bodyPr vert="horz" lIns="91440" tIns="45720" rIns="91440" bIns="45720" rtlCol="0" anchor="b"/>
+          <a:lstStyle>
+            <a:lvl1pPr algn="r">
+              <a:defRPr sz="1200"/>
+            </a:lvl1pPr>
+          </a:lstStyle>
+          <a:p>
+            <a:fld id="{3C1B18C4-ABFA-494A-B6BA-E990B641C419}" type="slidenum">
+              <a:rPr lang="nl-NL" smtClean="0"/>
+              <a:t>‹nr.›</a:t>
+            </a:fld>
+            <a:endParaRPr lang="nl-NL"/>
+          </a:p>
+        </p:txBody>
+      </p:sp>
+    </p:spTree>
+  </p:cSld>
+  <p:clrMap bg1="lt1" tx1="dk1" bg2="lt2" tx2="dk2" accent1="accent1" accent2="accent2" accent3="accent3" accent4="accent4" accent5="accent5" accent6="accent6" hlink="hlink" folHlink="folHlink"/>
+  <p:notesStyle>
+    <a:lvl1pPr marL="0" algn="l" defTabSz="914400" rtl="0" eaLnBrk="1" latinLnBrk="0" hangingPunct="1">
+      <a:defRPr sz="1200" kern="1200">
+        <a:solidFill>
+          <a:schemeClr val="tx1"/>
+        </a:solidFill>
+        <a:latin typeface="+mn-lt"/>
+        <a:ea typeface="+mn-ea"/>
+        <a:cs typeface="+mn-cs"/>
+      </a:defRPr>
+    </a:lvl1pPr>
+    <a:lvl2pPr marL="457200" algn="l" defTabSz="914400" rtl="0" eaLnBrk="1" latinLnBrk="0" hangingPunct="1">
+      <a:defRPr sz="1200" kern="1200">
+        <a:solidFill>
+          <a:schemeClr val="tx1"/>
+        </a:solidFill>
+        <a:latin typeface="+mn-lt"/>
+        <a:ea typeface="+mn-ea"/>
+        <a:cs typeface="+mn-cs"/>
+      </a:defRPr>
+    </a:lvl2pPr>
+    <a:lvl3pPr marL="914400" algn="l" defTabSz="914400" rtl="0" eaLnBrk="1" latinLnBrk="0" hangingPunct="1">
+      <a:defRPr sz="1200" kern="1200">
+        <a:solidFill>
+          <a:schemeClr val="tx1"/>
+        </a:solidFill>
+        <a:latin typeface="+mn-lt"/>
+        <a:ea typeface="+mn-ea"/>
+        <a:cs typeface="+mn-cs"/>
+      </a:defRPr>
+    </a:lvl3pPr>
+    <a:lvl4pPr marL="1371600" algn="l" defTabSz="914400" rtl="0" eaLnBrk="1" latinLnBrk="0" hangingPunct="1">
+      <a:defRPr sz="1200" kern="1200">
+        <a:solidFill>
+          <a:schemeClr val="tx1"/>
+        </a:solidFill>
+        <a:latin typeface="+mn-lt"/>
+        <a:ea typeface="+mn-ea"/>
+        <a:cs typeface="+mn-cs"/>
+      </a:defRPr>
+    </a:lvl4pPr>
+    <a:lvl5pPr marL="1828800" algn="l" defTabSz="914400" rtl="0" eaLnBrk="1" latinLnBrk="0" hangingPunct="1">
+      <a:defRPr sz="1200" kern="1200">
+        <a:solidFill>
+          <a:schemeClr val="tx1"/>
+        </a:solidFill>
+        <a:latin typeface="+mn-lt"/>
+        <a:ea typeface="+mn-ea"/>
+        <a:cs typeface="+mn-cs"/>
+      </a:defRPr>
+    </a:lvl5pPr>
+    <a:lvl6pPr marL="2286000" algn="l" defTabSz="914400" rtl="0" eaLnBrk="1" latinLnBrk="0" hangingPunct="1">
+      <a:defRPr sz="1200" kern="1200">
+        <a:solidFill>
+          <a:schemeClr val="tx1"/>
+        </a:solidFill>
+        <a:latin typeface="+mn-lt"/>
+        <a:ea typeface="+mn-ea"/>
+        <a:cs typeface="+mn-cs"/>
+      </a:defRPr>
+    </a:lvl6pPr>
+    <a:lvl7pPr marL="2743200" algn="l" defTabSz="914400" rtl="0" eaLnBrk="1" latinLnBrk="0" hangingPunct="1">
+      <a:defRPr sz="1200" kern="1200">
+        <a:solidFill>
+          <a:schemeClr val="tx1"/>
+        </a:solidFill>
+        <a:latin typeface="+mn-lt"/>
+        <a:ea typeface="+mn-ea"/>
+        <a:cs typeface="+mn-cs"/>
+      </a:defRPr>
+    </a:lvl7pPr>
+    <a:lvl8pPr marL="3200400" algn="l" defTabSz="914400" rtl="0" eaLnBrk="1" latinLnBrk="0" hangingPunct="1">
+      <a:defRPr sz="1200" kern="1200">
+        <a:solidFill>
+          <a:schemeClr val="tx1"/>
+        </a:solidFill>
+        <a:latin typeface="+mn-lt"/>
+        <a:ea typeface="+mn-ea"/>
+        <a:cs typeface="+mn-cs"/>
+      </a:defRPr>
+    </a:lvl8pPr>
+    <a:lvl9pPr marL="3657600" algn="l" defTabSz="914400" rtl="0" eaLnBrk="1" latinLnBrk="0" hangingPunct="1">
+      <a:defRPr sz="1200" kern="1200">
+        <a:solidFill>
+          <a:schemeClr val="tx1"/>
+        </a:solidFill>
+        <a:latin typeface="+mn-lt"/>
+        <a:ea typeface="+mn-ea"/>
+        <a:cs typeface="+mn-cs"/>
+      </a:defRPr>
+    </a:lvl9pPr>
+  </p:notesStyle>
+</p:notesMaster>
+</file>
+
+<file path=ppt/notesSlides/notesSlide1.xml><?xml version="1.0" encoding="utf-8"?>
+<p:notes xmlns:a="http://schemas.openxmlformats.org/drawingml/2006/main" xmlns:r="http://schemas.openxmlformats.org/officeDocument/2006/relationships" xmlns:p="http://schemas.openxmlformats.org/presentationml/2006/main">
+  <p:cSld>
+    <p:spTree>
+      <p:nvGrpSpPr>
+        <p:cNvPr id="1" name=""/>
+        <p:cNvGrpSpPr/>
+        <p:nvPr/>
+      </p:nvGrpSpPr>
+      <p:grpSpPr>
+        <a:xfrm>
+          <a:off x="0" y="0"/>
+          <a:ext cx="0" cy="0"/>
+          <a:chOff x="0" y="0"/>
+          <a:chExt cx="0" cy="0"/>
+        </a:xfrm>
+      </p:grpSpPr>
+      <p:sp>
+        <p:nvSpPr>
+          <p:cNvPr id="2" name="Tijdelijke aanduiding voor dia-afbeelding 1"/>
+          <p:cNvSpPr>
+            <a:spLocks noGrp="1" noRot="1" noChangeAspect="1"/>
+          </p:cNvSpPr>
+          <p:nvPr>
+            <p:ph type="sldImg"/>
+          </p:nvPr>
+        </p:nvSpPr>
+        <p:spPr/>
+      </p:sp>
+      <p:sp>
+        <p:nvSpPr>
+          <p:cNvPr id="3" name="Tijdelijke aanduiding voor notities 2"/>
+          <p:cNvSpPr>
+            <a:spLocks noGrp="1"/>
+          </p:cNvSpPr>
+          <p:nvPr>
+            <p:ph type="body" idx="1"/>
+          </p:nvPr>
+        </p:nvSpPr>
+        <p:spPr/>
+        <p:txBody>
+          <a:bodyPr>
+            <a:normAutofit/>
+          </a:bodyPr>
+          <a:lstStyle/>
+          <a:p>
+            <a:endParaRPr lang="nl-NL"/>
+          </a:p>
+        </p:txBody>
+      </p:sp>
+      <p:sp>
+        <p:nvSpPr>
+          <p:cNvPr id="4" name="Tijdelijke aanduiding voor dianummer 3"/>
+          <p:cNvSpPr>
+            <a:spLocks noGrp="1"/>
+          </p:cNvSpPr>
+          <p:nvPr>
+            <p:ph type="sldNum" sz="quarter" idx="10"/>
+          </p:nvPr>
+        </p:nvSpPr>
+        <p:spPr/>
+        <p:txBody>
+          <a:bodyPr/>
+          <a:lstStyle/>
+          <a:p>
+            <a:fld id="{3C1B18C4-ABFA-494A-B6BA-E990B641C419}" type="slidenum">
+              <a:rPr lang="nl-NL" smtClean="0"/>
+              <a:t>1</a:t>
+            </a:fld>
+            <a:endParaRPr lang="nl-NL"/>
+          </a:p>
+        </p:txBody>
+      </p:sp>
+    </p:spTree>
+  </p:cSld>
+  <p:clrMapOvr>
+    <a:masterClrMapping/>
+  </p:clrMapOvr>
+</p:notes>
+</file>
+
+<file path=ppt/notesSlides/notesSlide2.xml><?xml version="1.0" encoding="utf-8"?>
+<p:notes xmlns:a="http://schemas.openxmlformats.org/drawingml/2006/main" xmlns:r="http://schemas.openxmlformats.org/officeDocument/2006/relationships" xmlns:p="http://schemas.openxmlformats.org/presentationml/2006/main">
+  <p:cSld>
+    <p:spTree>
+      <p:nvGrpSpPr>
+        <p:cNvPr id="1" name=""/>
+        <p:cNvGrpSpPr/>
+        <p:nvPr/>
+      </p:nvGrpSpPr>
+      <p:grpSpPr>
+        <a:xfrm>
+          <a:off x="0" y="0"/>
+          <a:ext cx="0" cy="0"/>
+          <a:chOff x="0" y="0"/>
+          <a:chExt cx="0" cy="0"/>
+        </a:xfrm>
+      </p:grpSpPr>
+      <p:sp>
+        <p:nvSpPr>
+          <p:cNvPr id="2" name="Tijdelijke aanduiding voor dia-afbeelding 1"/>
+          <p:cNvSpPr>
+            <a:spLocks noGrp="1" noRot="1" noChangeAspect="1"/>
+          </p:cNvSpPr>
+          <p:nvPr>
+            <p:ph type="sldImg"/>
+          </p:nvPr>
+        </p:nvSpPr>
+        <p:spPr/>
+      </p:sp>
+      <p:sp>
+        <p:nvSpPr>
+          <p:cNvPr id="3" name="Tijdelijke aanduiding voor notities 2"/>
+          <p:cNvSpPr>
+            <a:spLocks noGrp="1"/>
+          </p:cNvSpPr>
+          <p:nvPr>
+            <p:ph type="body" idx="1"/>
+          </p:nvPr>
+        </p:nvSpPr>
+        <p:spPr/>
+        <p:txBody>
+          <a:bodyPr>
+            <a:normAutofit/>
+          </a:bodyPr>
+          <a:lstStyle/>
+          <a:p>
+            <a:endParaRPr lang="nl-NL"/>
+          </a:p>
+        </p:txBody>
+      </p:sp>
+      <p:sp>
+        <p:nvSpPr>
+          <p:cNvPr id="4" name="Tijdelijke aanduiding voor dianummer 3"/>
+          <p:cNvSpPr>
+            <a:spLocks noGrp="1"/>
+          </p:cNvSpPr>
+          <p:nvPr>
+            <p:ph type="sldNum" sz="quarter" idx="10"/>
+          </p:nvPr>
+        </p:nvSpPr>
+        <p:spPr/>
+        <p:txBody>
+          <a:bodyPr/>
+          <a:lstStyle/>
+          <a:p>
+            <a:fld id="{3C1B18C4-ABFA-494A-B6BA-E990B641C419}" type="slidenum">
+              <a:rPr lang="nl-NL" smtClean="0"/>
+              <a:t>8</a:t>
+            </a:fld>
+            <a:endParaRPr lang="nl-NL"/>
+          </a:p>
+        </p:txBody>
+      </p:sp>
+    </p:spTree>
+  </p:cSld>
+  <p:clrMapOvr>
+    <a:masterClrMapping/>
+  </p:clrMapOvr>
+</p:notes>
+</file>
+
 <file path=ppt/slideLayouts/slideLayout1.xml><?xml version="1.0" encoding="utf-8"?>
 <p:sldLayout xmlns:a="http://schemas.openxmlformats.org/drawingml/2006/main" xmlns:r="http://schemas.openxmlformats.org/officeDocument/2006/relationships" xmlns:p="http://schemas.openxmlformats.org/presentationml/2006/main" showMasterSp="0" type="title" preserve="1">
   <p:cSld name="Titeldia">
@@ -313,7 +825,7 @@
             <a:fld id="{A2C23045-2295-4BC9-A3F3-33602CAD400C}" type="datetimeFigureOut">
               <a:rPr lang="nl-NL" smtClean="0"/>
               <a:pPr/>
-              <a:t>18-11-2015</a:t>
+              <a:t>19-11-2015</a:t>
             </a:fld>
             <a:endParaRPr lang="nl-NL"/>
           </a:p>
@@ -668,7 +1180,7 @@
             <a:fld id="{A2C23045-2295-4BC9-A3F3-33602CAD400C}" type="datetimeFigureOut">
               <a:rPr lang="nl-NL" smtClean="0"/>
               <a:pPr/>
-              <a:t>18-11-2015</a:t>
+              <a:t>19-11-2015</a:t>
             </a:fld>
             <a:endParaRPr lang="nl-NL"/>
           </a:p>
@@ -845,7 +1357,7 @@
             <a:fld id="{A2C23045-2295-4BC9-A3F3-33602CAD400C}" type="datetimeFigureOut">
               <a:rPr lang="nl-NL" smtClean="0"/>
               <a:pPr/>
-              <a:t>18-11-2015</a:t>
+              <a:t>19-11-2015</a:t>
             </a:fld>
             <a:endParaRPr lang="nl-NL"/>
           </a:p>
@@ -960,7 +1472,7 @@
             <a:fld id="{A2C23045-2295-4BC9-A3F3-33602CAD400C}" type="datetimeFigureOut">
               <a:rPr lang="nl-NL" smtClean="0"/>
               <a:pPr/>
-              <a:t>18-11-2015</a:t>
+              <a:t>19-11-2015</a:t>
             </a:fld>
             <a:endParaRPr lang="nl-NL"/>
           </a:p>
@@ -1320,7 +1832,7 @@
             <a:fld id="{A2C23045-2295-4BC9-A3F3-33602CAD400C}" type="datetimeFigureOut">
               <a:rPr lang="nl-NL" smtClean="0"/>
               <a:pPr/>
-              <a:t>18-11-2015</a:t>
+              <a:t>19-11-2015</a:t>
             </a:fld>
             <a:endParaRPr lang="nl-NL"/>
           </a:p>
@@ -1587,7 +2099,7 @@
             <a:fld id="{A2C23045-2295-4BC9-A3F3-33602CAD400C}" type="datetimeFigureOut">
               <a:rPr lang="nl-NL" smtClean="0"/>
               <a:pPr/>
-              <a:t>18-11-2015</a:t>
+              <a:t>19-11-2015</a:t>
             </a:fld>
             <a:endParaRPr lang="nl-NL"/>
           </a:p>
@@ -1951,7 +2463,7 @@
             <a:fld id="{A2C23045-2295-4BC9-A3F3-33602CAD400C}" type="datetimeFigureOut">
               <a:rPr lang="nl-NL" smtClean="0"/>
               <a:pPr/>
-              <a:t>18-11-2015</a:t>
+              <a:t>19-11-2015</a:t>
             </a:fld>
             <a:endParaRPr lang="nl-NL"/>
           </a:p>
@@ -2180,7 +2692,7 @@
             <a:fld id="{A2C23045-2295-4BC9-A3F3-33602CAD400C}" type="datetimeFigureOut">
               <a:rPr lang="nl-NL" smtClean="0"/>
               <a:pPr/>
-              <a:t>18-11-2015</a:t>
+              <a:t>19-11-2015</a:t>
             </a:fld>
             <a:endParaRPr lang="nl-NL"/>
           </a:p>
@@ -2272,7 +2784,7 @@
             <a:fld id="{A2C23045-2295-4BC9-A3F3-33602CAD400C}" type="datetimeFigureOut">
               <a:rPr lang="nl-NL" smtClean="0"/>
               <a:pPr/>
-              <a:t>18-11-2015</a:t>
+              <a:t>19-11-2015</a:t>
             </a:fld>
             <a:endParaRPr lang="nl-NL"/>
           </a:p>
@@ -2541,7 +3053,7 @@
             <a:fld id="{A2C23045-2295-4BC9-A3F3-33602CAD400C}" type="datetimeFigureOut">
               <a:rPr lang="nl-NL" smtClean="0"/>
               <a:pPr/>
-              <a:t>18-11-2015</a:t>
+              <a:t>19-11-2015</a:t>
             </a:fld>
             <a:endParaRPr lang="nl-NL"/>
           </a:p>
@@ -2771,7 +3283,7 @@
             <a:fld id="{A2C23045-2295-4BC9-A3F3-33602CAD400C}" type="datetimeFigureOut">
               <a:rPr lang="nl-NL" smtClean="0"/>
               <a:pPr/>
-              <a:t>18-11-2015</a:t>
+              <a:t>19-11-2015</a:t>
             </a:fld>
             <a:endParaRPr lang="nl-NL"/>
           </a:p>
@@ -3272,7 +3784,7 @@
             <a:fld id="{A2C23045-2295-4BC9-A3F3-33602CAD400C}" type="datetimeFigureOut">
               <a:rPr lang="nl-NL" smtClean="0"/>
               <a:pPr/>
-              <a:t>18-11-2015</a:t>
+              <a:t>19-11-2015</a:t>
             </a:fld>
             <a:endParaRPr lang="nl-NL"/>
           </a:p>
@@ -3711,7 +4223,6 @@
               <a:rPr lang="nl-NL" dirty="0" smtClean="0"/>
               <a:t> Java </a:t>
             </a:r>
-            <a:endParaRPr lang="nl-NL" dirty="0" smtClean="0"/>
           </a:p>
           <a:p>
             <a:r>
@@ -3756,7 +4267,7 @@
     </p:spTree>
     <p:extLst>
       <p:ext uri="{BB962C8B-B14F-4D97-AF65-F5344CB8AC3E}">
-        <p14:creationId xmlns:p14="http://schemas.microsoft.com/office/powerpoint/2010/main" xmlns="" val="2573907673"/>
+        <p14:creationId xmlns="" xmlns:p14="http://schemas.microsoft.com/office/powerpoint/2010/main" val="2573907673"/>
       </p:ext>
     </p:extLst>
   </p:cSld>
@@ -3805,9 +4316,10 @@
           <a:bodyPr/>
           <a:lstStyle/>
           <a:p>
+            <a:pPr algn="ctr"/>
             <a:r>
               <a:rPr lang="nl-NL" dirty="0" smtClean="0"/>
-              <a:t>Data Access Object (DAO)</a:t>
+              <a:t>DEMO!</a:t>
             </a:r>
             <a:endParaRPr lang="nl-NL" dirty="0"/>
           </a:p>
@@ -3832,64 +4344,10 @@
           </a:p>
         </p:txBody>
       </p:sp>
-      <p:pic>
-        <p:nvPicPr>
-          <p:cNvPr id="9218" name="Picture 2"/>
-          <p:cNvPicPr>
-            <a:picLocks noChangeAspect="1" noChangeArrowheads="1"/>
-          </p:cNvPicPr>
-          <p:nvPr/>
-        </p:nvPicPr>
-        <p:blipFill>
-          <a:blip r:embed="rId2" cstate="print">
-            <a:extLst>
-              <a:ext uri="{28A0092B-C50C-407E-A947-70E740481C1C}">
-                <a14:useLocalDpi xmlns:a14="http://schemas.microsoft.com/office/drawing/2010/main" xmlns="" val="0"/>
-              </a:ext>
-            </a:extLst>
-          </a:blip>
-          <a:srcRect/>
-          <a:stretch>
-            <a:fillRect/>
-          </a:stretch>
-        </p:blipFill>
-        <p:spPr bwMode="auto">
-          <a:xfrm>
-            <a:off x="179512" y="1268760"/>
-            <a:ext cx="8640960" cy="5245841"/>
-          </a:xfrm>
-          <a:prstGeom prst="rect">
-            <a:avLst/>
-          </a:prstGeom>
-          <a:noFill/>
-          <a:ln>
-            <a:noFill/>
-          </a:ln>
-          <a:extLst>
-            <a:ext uri="{909E8E84-426E-40DD-AFC4-6F175D3DCCD1}">
-              <a14:hiddenFill xmlns:a14="http://schemas.microsoft.com/office/drawing/2010/main" xmlns="">
-                <a:solidFill>
-                  <a:schemeClr val="accent1"/>
-                </a:solidFill>
-              </a14:hiddenFill>
-            </a:ext>
-            <a:ext uri="{91240B29-F687-4F45-9708-019B960494DF}">
-              <a14:hiddenLine xmlns:a14="http://schemas.microsoft.com/office/drawing/2010/main" xmlns="" w="9525">
-                <a:solidFill>
-                  <a:schemeClr val="tx1"/>
-                </a:solidFill>
-                <a:miter lim="800000"/>
-                <a:headEnd/>
-                <a:tailEnd/>
-              </a14:hiddenLine>
-            </a:ext>
-          </a:extLst>
-        </p:spPr>
-      </p:pic>
     </p:spTree>
     <p:extLst>
       <p:ext uri="{BB962C8B-B14F-4D97-AF65-F5344CB8AC3E}">
-        <p14:creationId xmlns:p14="http://schemas.microsoft.com/office/powerpoint/2010/main" xmlns="" val="1561711929"/>
+        <p14:creationId xmlns="" xmlns:p14="http://schemas.microsoft.com/office/powerpoint/2010/main" val="2234388191"/>
       </p:ext>
     </p:extLst>
   </p:cSld>
@@ -3940,11 +4398,11 @@
           <a:p>
             <a:r>
               <a:rPr lang="nl-NL" dirty="0" err="1" smtClean="0"/>
-              <a:t>To</a:t>
+              <a:t>Future</a:t>
             </a:r>
             <a:r>
               <a:rPr lang="nl-NL" dirty="0" smtClean="0"/>
-              <a:t> do</a:t>
+              <a:t> plans</a:t>
             </a:r>
             <a:endParaRPr lang="nl-NL" dirty="0"/>
           </a:p>
@@ -3965,63 +4423,11 @@
           <a:bodyPr/>
           <a:lstStyle/>
           <a:p>
+            <a:r>
+              <a:rPr lang="nl-NL" dirty="0" err="1" smtClean="0"/>
+              <a:t>Cheat-proof</a:t>
+            </a:r>
             <a:endParaRPr lang="nl-NL" dirty="0" smtClean="0"/>
-          </a:p>
-          <a:p>
-            <a:r>
-              <a:rPr lang="nl-NL" dirty="0" err="1" smtClean="0"/>
-              <a:t>Waiting</a:t>
-            </a:r>
-            <a:r>
-              <a:rPr lang="nl-NL" dirty="0" smtClean="0"/>
-              <a:t> room: </a:t>
-            </a:r>
-            <a:r>
-              <a:rPr lang="nl-NL" dirty="0" err="1" smtClean="0"/>
-              <a:t>looking</a:t>
-            </a:r>
-            <a:r>
-              <a:rPr lang="nl-NL" dirty="0" smtClean="0"/>
-              <a:t> </a:t>
-            </a:r>
-            <a:r>
-              <a:rPr lang="nl-NL" dirty="0" err="1" smtClean="0"/>
-              <a:t>for</a:t>
-            </a:r>
-            <a:r>
-              <a:rPr lang="nl-NL" dirty="0" smtClean="0"/>
-              <a:t> opponent</a:t>
-            </a:r>
-          </a:p>
-          <a:p>
-            <a:endParaRPr lang="nl-NL" dirty="0" smtClean="0"/>
-          </a:p>
-          <a:p>
-            <a:r>
-              <a:rPr lang="nl-NL" dirty="0" err="1" smtClean="0"/>
-              <a:t>Opponents</a:t>
-            </a:r>
-            <a:r>
-              <a:rPr lang="nl-NL" dirty="0" smtClean="0"/>
-              <a:t> move? API call to </a:t>
-            </a:r>
-            <a:r>
-              <a:rPr lang="nl-NL" dirty="0" err="1" smtClean="0"/>
-              <a:t>refresh</a:t>
-            </a:r>
-            <a:r>
-              <a:rPr lang="nl-NL" dirty="0" smtClean="0"/>
-              <a:t> </a:t>
-            </a:r>
-            <a:r>
-              <a:rPr lang="nl-NL" dirty="0" err="1" smtClean="0"/>
-              <a:t>with</a:t>
-            </a:r>
-            <a:r>
-              <a:rPr lang="nl-NL" dirty="0" smtClean="0"/>
-              <a:t> AJAX</a:t>
-            </a:r>
-            <a:endParaRPr lang="nl-NL" dirty="0"/>
           </a:p>
           <a:p>
             <a:endParaRPr lang="nl-NL" dirty="0" smtClean="0"/>
@@ -4040,7 +4446,7 @@
     </p:spTree>
     <p:extLst>
       <p:ext uri="{BB962C8B-B14F-4D97-AF65-F5344CB8AC3E}">
-        <p14:creationId xmlns:p14="http://schemas.microsoft.com/office/powerpoint/2010/main" xmlns="" val="2305397116"/>
+        <p14:creationId xmlns="" xmlns:p14="http://schemas.microsoft.com/office/powerpoint/2010/main" val="2305397116"/>
       </p:ext>
     </p:extLst>
   </p:cSld>
@@ -4156,7 +4562,7 @@
           <a:blip r:embed="rId2" cstate="print">
             <a:extLst>
               <a:ext uri="{28A0092B-C50C-407E-A947-70E740481C1C}">
-                <a14:useLocalDpi xmlns:a14="http://schemas.microsoft.com/office/drawing/2010/main" xmlns="" val="0"/>
+                <a14:useLocalDpi xmlns="" xmlns:a14="http://schemas.microsoft.com/office/drawing/2010/main" val="0"/>
               </a:ext>
             </a:extLst>
           </a:blip>
@@ -4176,7 +4582,7 @@
           <a:noFill/>
           <a:extLst>
             <a:ext uri="{909E8E84-426E-40DD-AFC4-6F175D3DCCD1}">
-              <a14:hiddenFill xmlns:a14="http://schemas.microsoft.com/office/drawing/2010/main" xmlns="">
+              <a14:hiddenFill xmlns="" xmlns:a14="http://schemas.microsoft.com/office/drawing/2010/main">
                 <a:solidFill>
                   <a:srgbClr val="FFFFFF"/>
                 </a:solidFill>
@@ -4188,7 +4594,7 @@
     </p:spTree>
     <p:extLst>
       <p:ext uri="{BB962C8B-B14F-4D97-AF65-F5344CB8AC3E}">
-        <p14:creationId xmlns:p14="http://schemas.microsoft.com/office/powerpoint/2010/main" xmlns="" val="1898811129"/>
+        <p14:creationId xmlns="" xmlns:p14="http://schemas.microsoft.com/office/powerpoint/2010/main" val="1898811129"/>
       </p:ext>
     </p:extLst>
   </p:cSld>
@@ -4271,7 +4677,7 @@
           <a:blip r:embed="rId2" cstate="print">
             <a:extLst>
               <a:ext uri="{28A0092B-C50C-407E-A947-70E740481C1C}">
-                <a14:useLocalDpi xmlns:a14="http://schemas.microsoft.com/office/drawing/2010/main" xmlns="" val="0"/>
+                <a14:useLocalDpi xmlns="" xmlns:a14="http://schemas.microsoft.com/office/drawing/2010/main" val="0"/>
               </a:ext>
             </a:extLst>
           </a:blip>
@@ -4294,14 +4700,14 @@
           </a:ln>
           <a:extLst>
             <a:ext uri="{909E8E84-426E-40DD-AFC4-6F175D3DCCD1}">
-              <a14:hiddenFill xmlns:a14="http://schemas.microsoft.com/office/drawing/2010/main" xmlns="">
+              <a14:hiddenFill xmlns="" xmlns:a14="http://schemas.microsoft.com/office/drawing/2010/main">
                 <a:solidFill>
                   <a:schemeClr val="accent1"/>
                 </a:solidFill>
               </a14:hiddenFill>
             </a:ext>
             <a:ext uri="{91240B29-F687-4F45-9708-019B960494DF}">
-              <a14:hiddenLine xmlns:a14="http://schemas.microsoft.com/office/drawing/2010/main" xmlns="" w="9525">
+              <a14:hiddenLine xmlns="" xmlns:a14="http://schemas.microsoft.com/office/drawing/2010/main" w="9525">
                 <a:solidFill>
                   <a:schemeClr val="tx1"/>
                 </a:solidFill>
@@ -4316,7 +4722,7 @@
     </p:spTree>
     <p:extLst>
       <p:ext uri="{BB962C8B-B14F-4D97-AF65-F5344CB8AC3E}">
-        <p14:creationId xmlns:p14="http://schemas.microsoft.com/office/powerpoint/2010/main" xmlns="" val="1016662183"/>
+        <p14:creationId xmlns="" xmlns:p14="http://schemas.microsoft.com/office/powerpoint/2010/main" val="1016662183"/>
       </p:ext>
     </p:extLst>
   </p:cSld>
@@ -4404,7 +4810,7 @@
           <a:blip r:embed="rId2" cstate="print">
             <a:extLst>
               <a:ext uri="{28A0092B-C50C-407E-A947-70E740481C1C}">
-                <a14:useLocalDpi xmlns:a14="http://schemas.microsoft.com/office/drawing/2010/main" xmlns="" val="0"/>
+                <a14:useLocalDpi xmlns="" xmlns:a14="http://schemas.microsoft.com/office/drawing/2010/main" val="0"/>
               </a:ext>
             </a:extLst>
           </a:blip>
@@ -4424,7 +4830,7 @@
           <a:noFill/>
           <a:extLst>
             <a:ext uri="{909E8E84-426E-40DD-AFC4-6F175D3DCCD1}">
-              <a14:hiddenFill xmlns:a14="http://schemas.microsoft.com/office/drawing/2010/main" xmlns="">
+              <a14:hiddenFill xmlns="" xmlns:a14="http://schemas.microsoft.com/office/drawing/2010/main">
                 <a:solidFill>
                   <a:srgbClr val="FFFFFF"/>
                 </a:solidFill>
@@ -4436,7 +4842,7 @@
     </p:spTree>
     <p:extLst>
       <p:ext uri="{BB962C8B-B14F-4D97-AF65-F5344CB8AC3E}">
-        <p14:creationId xmlns:p14="http://schemas.microsoft.com/office/powerpoint/2010/main" xmlns="" val="1621369658"/>
+        <p14:creationId xmlns="" xmlns:p14="http://schemas.microsoft.com/office/powerpoint/2010/main" val="1621369658"/>
       </p:ext>
     </p:extLst>
   </p:cSld>
@@ -4514,20 +4920,14 @@
       </p:sp>
       <p:pic>
         <p:nvPicPr>
-          <p:cNvPr id="3076" name="Picture 4"/>
+          <p:cNvPr id="1026" name="Picture 2"/>
           <p:cNvPicPr>
             <a:picLocks noChangeAspect="1" noChangeArrowheads="1"/>
           </p:cNvPicPr>
           <p:nvPr/>
         </p:nvPicPr>
         <p:blipFill>
-          <a:blip r:embed="rId2" cstate="print">
-            <a:extLst>
-              <a:ext uri="{28A0092B-C50C-407E-A947-70E740481C1C}">
-                <a14:useLocalDpi xmlns:a14="http://schemas.microsoft.com/office/drawing/2010/main" xmlns="" val="0"/>
-              </a:ext>
-            </a:extLst>
-          </a:blip>
+          <a:blip r:embed="rId2" cstate="print"/>
           <a:srcRect/>
           <a:stretch>
             <a:fillRect/>
@@ -4535,41 +4935,25 @@
         </p:blipFill>
         <p:spPr bwMode="auto">
           <a:xfrm>
-            <a:off x="1907705" y="1377612"/>
-            <a:ext cx="5184576" cy="5383650"/>
+            <a:off x="129030" y="1264568"/>
+            <a:ext cx="8917988" cy="4736854"/>
           </a:xfrm>
           <a:prstGeom prst="rect">
             <a:avLst/>
           </a:prstGeom>
           <a:noFill/>
-          <a:ln>
+          <a:ln w="9525">
             <a:noFill/>
+            <a:miter lim="800000"/>
+            <a:headEnd/>
+            <a:tailEnd/>
           </a:ln>
-          <a:extLst>
-            <a:ext uri="{909E8E84-426E-40DD-AFC4-6F175D3DCCD1}">
-              <a14:hiddenFill xmlns:a14="http://schemas.microsoft.com/office/drawing/2010/main" xmlns="">
-                <a:solidFill>
-                  <a:schemeClr val="accent1"/>
-                </a:solidFill>
-              </a14:hiddenFill>
-            </a:ext>
-            <a:ext uri="{91240B29-F687-4F45-9708-019B960494DF}">
-              <a14:hiddenLine xmlns:a14="http://schemas.microsoft.com/office/drawing/2010/main" xmlns="" w="9525">
-                <a:solidFill>
-                  <a:schemeClr val="tx1"/>
-                </a:solidFill>
-                <a:miter lim="800000"/>
-                <a:headEnd/>
-                <a:tailEnd/>
-              </a14:hiddenLine>
-            </a:ext>
-          </a:extLst>
         </p:spPr>
       </p:pic>
     </p:spTree>
     <p:extLst>
       <p:ext uri="{BB962C8B-B14F-4D97-AF65-F5344CB8AC3E}">
-        <p14:creationId xmlns:p14="http://schemas.microsoft.com/office/powerpoint/2010/main" xmlns="" val="3883581678"/>
+        <p14:creationId xmlns="" xmlns:p14="http://schemas.microsoft.com/office/powerpoint/2010/main" val="3883581678"/>
       </p:ext>
     </p:extLst>
   </p:cSld>
@@ -4620,7 +5004,11 @@
           <a:p>
             <a:r>
               <a:rPr lang="nl-NL" dirty="0" smtClean="0"/>
-              <a:t>Spring MVC - View</a:t>
+              <a:t>Spring MVC </a:t>
+            </a:r>
+            <a:r>
+              <a:rPr lang="nl-NL" dirty="0" smtClean="0"/>
+              <a:t>– View &amp; JSTL</a:t>
             </a:r>
             <a:endParaRPr lang="nl-NL" dirty="0"/>
           </a:p>
@@ -4657,7 +5045,7 @@
           <a:blip r:embed="rId2" cstate="print">
             <a:extLst>
               <a:ext uri="{28A0092B-C50C-407E-A947-70E740481C1C}">
-                <a14:useLocalDpi xmlns:a14="http://schemas.microsoft.com/office/drawing/2010/main" xmlns="" val="0"/>
+                <a14:useLocalDpi xmlns="" xmlns:a14="http://schemas.microsoft.com/office/drawing/2010/main" val="0"/>
               </a:ext>
             </a:extLst>
           </a:blip>
@@ -4669,7 +5057,7 @@
         <p:spPr bwMode="auto">
           <a:xfrm>
             <a:off x="164653" y="1412776"/>
-            <a:ext cx="8979347" cy="3456384"/>
+            <a:ext cx="8727827" cy="4824536"/>
           </a:xfrm>
           <a:prstGeom prst="rect">
             <a:avLst/>
@@ -4680,14 +5068,14 @@
           </a:ln>
           <a:extLst>
             <a:ext uri="{909E8E84-426E-40DD-AFC4-6F175D3DCCD1}">
-              <a14:hiddenFill xmlns:a14="http://schemas.microsoft.com/office/drawing/2010/main" xmlns="">
+              <a14:hiddenFill xmlns="" xmlns:a14="http://schemas.microsoft.com/office/drawing/2010/main">
                 <a:solidFill>
                   <a:schemeClr val="accent1"/>
                 </a:solidFill>
               </a14:hiddenFill>
             </a:ext>
             <a:ext uri="{91240B29-F687-4F45-9708-019B960494DF}">
-              <a14:hiddenLine xmlns:a14="http://schemas.microsoft.com/office/drawing/2010/main" xmlns="" w="9525">
+              <a14:hiddenLine xmlns="" xmlns:a14="http://schemas.microsoft.com/office/drawing/2010/main" w="9525">
                 <a:solidFill>
                   <a:schemeClr val="tx1"/>
                 </a:solidFill>
@@ -4711,7 +5099,7 @@
           <a:blip r:embed="rId3" cstate="print">
             <a:extLst>
               <a:ext uri="{28A0092B-C50C-407E-A947-70E740481C1C}">
-                <a14:useLocalDpi xmlns:a14="http://schemas.microsoft.com/office/drawing/2010/main" xmlns="" val="0"/>
+                <a14:useLocalDpi xmlns="" xmlns:a14="http://schemas.microsoft.com/office/drawing/2010/main" val="0"/>
               </a:ext>
             </a:extLst>
           </a:blip>
@@ -4731,7 +5119,7 @@
           <a:noFill/>
           <a:extLst>
             <a:ext uri="{909E8E84-426E-40DD-AFC4-6F175D3DCCD1}">
-              <a14:hiddenFill xmlns:a14="http://schemas.microsoft.com/office/drawing/2010/main" xmlns="">
+              <a14:hiddenFill xmlns="" xmlns:a14="http://schemas.microsoft.com/office/drawing/2010/main">
                 <a:solidFill>
                   <a:srgbClr val="FFFFFF"/>
                 </a:solidFill>
@@ -4743,7 +5131,7 @@
     </p:spTree>
     <p:extLst>
       <p:ext uri="{BB962C8B-B14F-4D97-AF65-F5344CB8AC3E}">
-        <p14:creationId xmlns:p14="http://schemas.microsoft.com/office/powerpoint/2010/main" xmlns="" val="1027006560"/>
+        <p14:creationId xmlns="" xmlns:p14="http://schemas.microsoft.com/office/powerpoint/2010/main" val="1027006560"/>
       </p:ext>
     </p:extLst>
   </p:cSld>
@@ -4845,7 +5233,7 @@
           <a:blip r:embed="rId2" cstate="print">
             <a:extLst>
               <a:ext uri="{28A0092B-C50C-407E-A947-70E740481C1C}">
-                <a14:useLocalDpi xmlns:a14="http://schemas.microsoft.com/office/drawing/2010/main" xmlns="" val="0"/>
+                <a14:useLocalDpi xmlns="" xmlns:a14="http://schemas.microsoft.com/office/drawing/2010/main" val="0"/>
               </a:ext>
             </a:extLst>
           </a:blip>
@@ -4868,14 +5256,14 @@
           </a:ln>
           <a:extLst>
             <a:ext uri="{909E8E84-426E-40DD-AFC4-6F175D3DCCD1}">
-              <a14:hiddenFill xmlns:a14="http://schemas.microsoft.com/office/drawing/2010/main" xmlns="">
+              <a14:hiddenFill xmlns="" xmlns:a14="http://schemas.microsoft.com/office/drawing/2010/main">
                 <a:solidFill>
                   <a:schemeClr val="accent1"/>
                 </a:solidFill>
               </a14:hiddenFill>
             </a:ext>
             <a:ext uri="{91240B29-F687-4F45-9708-019B960494DF}">
-              <a14:hiddenLine xmlns:a14="http://schemas.microsoft.com/office/drawing/2010/main" xmlns="" w="9525">
+              <a14:hiddenLine xmlns="" xmlns:a14="http://schemas.microsoft.com/office/drawing/2010/main" w="9525">
                 <a:solidFill>
                   <a:schemeClr val="tx1"/>
                 </a:solidFill>
@@ -4899,7 +5287,7 @@
           <a:blip r:embed="rId3" cstate="print">
             <a:extLst>
               <a:ext uri="{28A0092B-C50C-407E-A947-70E740481C1C}">
-                <a14:useLocalDpi xmlns:a14="http://schemas.microsoft.com/office/drawing/2010/main" xmlns="" val="0"/>
+                <a14:useLocalDpi xmlns="" xmlns:a14="http://schemas.microsoft.com/office/drawing/2010/main" val="0"/>
               </a:ext>
             </a:extLst>
           </a:blip>
@@ -4922,14 +5310,14 @@
           </a:ln>
           <a:extLst>
             <a:ext uri="{909E8E84-426E-40DD-AFC4-6F175D3DCCD1}">
-              <a14:hiddenFill xmlns:a14="http://schemas.microsoft.com/office/drawing/2010/main" xmlns="">
+              <a14:hiddenFill xmlns="" xmlns:a14="http://schemas.microsoft.com/office/drawing/2010/main">
                 <a:solidFill>
                   <a:schemeClr val="accent1"/>
                 </a:solidFill>
               </a14:hiddenFill>
             </a:ext>
             <a:ext uri="{91240B29-F687-4F45-9708-019B960494DF}">
-              <a14:hiddenLine xmlns:a14="http://schemas.microsoft.com/office/drawing/2010/main" xmlns="" w="9525">
+              <a14:hiddenLine xmlns="" xmlns:a14="http://schemas.microsoft.com/office/drawing/2010/main" w="9525">
                 <a:solidFill>
                   <a:schemeClr val="tx1"/>
                 </a:solidFill>
@@ -4953,7 +5341,7 @@
           <a:blip r:embed="rId4" cstate="print">
             <a:extLst>
               <a:ext uri="{28A0092B-C50C-407E-A947-70E740481C1C}">
-                <a14:useLocalDpi xmlns:a14="http://schemas.microsoft.com/office/drawing/2010/main" xmlns="" val="0"/>
+                <a14:useLocalDpi xmlns="" xmlns:a14="http://schemas.microsoft.com/office/drawing/2010/main" val="0"/>
               </a:ext>
             </a:extLst>
           </a:blip>
@@ -4973,7 +5361,7 @@
           <a:noFill/>
           <a:extLst>
             <a:ext uri="{909E8E84-426E-40DD-AFC4-6F175D3DCCD1}">
-              <a14:hiddenFill xmlns:a14="http://schemas.microsoft.com/office/drawing/2010/main" xmlns="">
+              <a14:hiddenFill xmlns="" xmlns:a14="http://schemas.microsoft.com/office/drawing/2010/main">
                 <a:solidFill>
                   <a:srgbClr val="FFFFFF"/>
                 </a:solidFill>
@@ -4985,7 +5373,7 @@
     </p:spTree>
     <p:extLst>
       <p:ext uri="{BB962C8B-B14F-4D97-AF65-F5344CB8AC3E}">
-        <p14:creationId xmlns:p14="http://schemas.microsoft.com/office/powerpoint/2010/main" xmlns="" val="931745605"/>
+        <p14:creationId xmlns="" xmlns:p14="http://schemas.microsoft.com/office/powerpoint/2010/main" val="931745605"/>
       </p:ext>
     </p:extLst>
   </p:cSld>
@@ -5019,64 +5407,16 @@
           <a:chExt cx="0" cy="0"/>
         </a:xfrm>
       </p:grpSpPr>
-      <p:sp>
-        <p:nvSpPr>
-          <p:cNvPr id="2" name="Titel 1"/>
-          <p:cNvSpPr>
-            <a:spLocks noGrp="1"/>
-          </p:cNvSpPr>
-          <p:nvPr>
-            <p:ph type="title"/>
-          </p:nvPr>
-        </p:nvSpPr>
-        <p:spPr/>
-        <p:txBody>
-          <a:bodyPr/>
-          <a:lstStyle/>
-          <a:p>
-            <a:r>
-              <a:rPr lang="nl-NL" dirty="0" smtClean="0"/>
-              <a:t>Play versus A.I.</a:t>
-            </a:r>
-            <a:endParaRPr lang="nl-NL" dirty="0"/>
-          </a:p>
-        </p:txBody>
-      </p:sp>
-      <p:sp>
-        <p:nvSpPr>
-          <p:cNvPr id="3" name="Tijdelijke aanduiding voor inhoud 2"/>
-          <p:cNvSpPr>
-            <a:spLocks noGrp="1"/>
-          </p:cNvSpPr>
-          <p:nvPr>
-            <p:ph sz="quarter" idx="1"/>
-          </p:nvPr>
-        </p:nvSpPr>
-        <p:spPr/>
-        <p:txBody>
-          <a:bodyPr/>
-          <a:lstStyle/>
-          <a:p>
-            <a:endParaRPr lang="nl-NL"/>
-          </a:p>
-        </p:txBody>
-      </p:sp>
       <p:pic>
         <p:nvPicPr>
-          <p:cNvPr id="7170" name="Picture 2"/>
+          <p:cNvPr id="2050" name="Picture 2"/>
           <p:cNvPicPr>
             <a:picLocks noChangeAspect="1" noChangeArrowheads="1"/>
           </p:cNvPicPr>
           <p:nvPr/>
         </p:nvPicPr>
         <p:blipFill>
-          <a:blip r:embed="rId2" cstate="print">
-            <a:extLst>
-              <a:ext uri="{28A0092B-C50C-407E-A947-70E740481C1C}">
-                <a14:useLocalDpi xmlns:a14="http://schemas.microsoft.com/office/drawing/2010/main" xmlns="" val="0"/>
-              </a:ext>
-            </a:extLst>
-          </a:blip>
+          <a:blip r:embed="rId2" cstate="print"/>
           <a:srcRect/>
           <a:stretch>
             <a:fillRect/>
@@ -5084,37 +5424,63 @@
         </p:blipFill>
         <p:spPr bwMode="auto">
           <a:xfrm>
-            <a:off x="2843808" y="1268760"/>
-            <a:ext cx="5188620" cy="5140799"/>
+            <a:off x="957261" y="1224283"/>
+            <a:ext cx="8007327" cy="4525353"/>
           </a:xfrm>
           <a:prstGeom prst="rect">
             <a:avLst/>
           </a:prstGeom>
           <a:noFill/>
-          <a:ln>
+          <a:ln w="9525">
             <a:noFill/>
+            <a:miter lim="800000"/>
+            <a:headEnd/>
+            <a:tailEnd/>
           </a:ln>
-          <a:extLst>
-            <a:ext uri="{909E8E84-426E-40DD-AFC4-6F175D3DCCD1}">
-              <a14:hiddenFill xmlns:a14="http://schemas.microsoft.com/office/drawing/2010/main" xmlns="">
-                <a:solidFill>
-                  <a:schemeClr val="accent1"/>
-                </a:solidFill>
-              </a14:hiddenFill>
-            </a:ext>
-            <a:ext uri="{91240B29-F687-4F45-9708-019B960494DF}">
-              <a14:hiddenLine xmlns:a14="http://schemas.microsoft.com/office/drawing/2010/main" xmlns="" w="9525">
-                <a:solidFill>
-                  <a:schemeClr val="tx1"/>
-                </a:solidFill>
-                <a:miter lim="800000"/>
-                <a:headEnd/>
-                <a:tailEnd/>
-              </a14:hiddenLine>
-            </a:ext>
-          </a:extLst>
         </p:spPr>
       </p:pic>
+      <p:sp>
+        <p:nvSpPr>
+          <p:cNvPr id="2" name="Titel 1"/>
+          <p:cNvSpPr>
+            <a:spLocks noGrp="1"/>
+          </p:cNvSpPr>
+          <p:nvPr>
+            <p:ph type="title"/>
+          </p:nvPr>
+        </p:nvSpPr>
+        <p:spPr/>
+        <p:txBody>
+          <a:bodyPr/>
+          <a:lstStyle/>
+          <a:p>
+            <a:r>
+              <a:rPr lang="nl-NL" dirty="0" smtClean="0"/>
+              <a:t>Play versus A.I.</a:t>
+            </a:r>
+            <a:endParaRPr lang="nl-NL" dirty="0"/>
+          </a:p>
+        </p:txBody>
+      </p:sp>
+      <p:sp>
+        <p:nvSpPr>
+          <p:cNvPr id="3" name="Tijdelijke aanduiding voor inhoud 2"/>
+          <p:cNvSpPr>
+            <a:spLocks noGrp="1"/>
+          </p:cNvSpPr>
+          <p:nvPr>
+            <p:ph sz="quarter" idx="1"/>
+          </p:nvPr>
+        </p:nvSpPr>
+        <p:spPr/>
+        <p:txBody>
+          <a:bodyPr/>
+          <a:lstStyle/>
+          <a:p>
+            <a:endParaRPr lang="nl-NL"/>
+          </a:p>
+        </p:txBody>
+      </p:sp>
       <p:pic>
         <p:nvPicPr>
           <p:cNvPr id="7172" name="Picture 4" descr="http://bipb.com/wp-content/uploads/2013/09/ai4.png"/>
@@ -5127,7 +5493,7 @@
           <a:blip r:embed="rId3" cstate="print">
             <a:extLst>
               <a:ext uri="{28A0092B-C50C-407E-A947-70E740481C1C}">
-                <a14:useLocalDpi xmlns:a14="http://schemas.microsoft.com/office/drawing/2010/main" xmlns="" val="0"/>
+                <a14:useLocalDpi xmlns="" xmlns:a14="http://schemas.microsoft.com/office/drawing/2010/main" val="0"/>
               </a:ext>
             </a:extLst>
           </a:blip>
@@ -5147,7 +5513,7 @@
           <a:noFill/>
           <a:extLst>
             <a:ext uri="{909E8E84-426E-40DD-AFC4-6F175D3DCCD1}">
-              <a14:hiddenFill xmlns:a14="http://schemas.microsoft.com/office/drawing/2010/main" xmlns="">
+              <a14:hiddenFill xmlns="" xmlns:a14="http://schemas.microsoft.com/office/drawing/2010/main">
                 <a:solidFill>
                   <a:srgbClr val="FFFFFF"/>
                 </a:solidFill>
@@ -5159,7 +5525,7 @@
     </p:spTree>
     <p:extLst>
       <p:ext uri="{BB962C8B-B14F-4D97-AF65-F5344CB8AC3E}">
-        <p14:creationId xmlns:p14="http://schemas.microsoft.com/office/powerpoint/2010/main" xmlns="" val="1965296861"/>
+        <p14:creationId xmlns="" xmlns:p14="http://schemas.microsoft.com/office/powerpoint/2010/main" val="1965296861"/>
       </p:ext>
     </p:extLst>
   </p:cSld>
@@ -5208,10 +5574,9 @@
           <a:bodyPr/>
           <a:lstStyle/>
           <a:p>
-            <a:pPr algn="ctr"/>
             <a:r>
               <a:rPr lang="nl-NL" dirty="0" smtClean="0"/>
-              <a:t>DEMO!</a:t>
+              <a:t>Play online, Store in database!</a:t>
             </a:r>
             <a:endParaRPr lang="nl-NL" dirty="0"/>
           </a:p>
@@ -5232,14 +5597,180 @@
           <a:bodyPr/>
           <a:lstStyle/>
           <a:p>
-            <a:endParaRPr lang="nl-NL"/>
+            <a:r>
+              <a:rPr lang="nl-NL" dirty="0" smtClean="0"/>
+              <a:t>JPA &amp; </a:t>
+            </a:r>
+            <a:r>
+              <a:rPr lang="nl-NL" dirty="0" err="1" smtClean="0"/>
+              <a:t>Hibernate</a:t>
+            </a:r>
+            <a:endParaRPr lang="nl-NL" dirty="0"/>
+          </a:p>
+        </p:txBody>
+      </p:sp>
+      <p:pic>
+        <p:nvPicPr>
+          <p:cNvPr id="8194" name="Picture 2"/>
+          <p:cNvPicPr>
+            <a:picLocks noChangeAspect="1" noChangeArrowheads="1"/>
+          </p:cNvPicPr>
+          <p:nvPr/>
+        </p:nvPicPr>
+        <p:blipFill>
+          <a:blip r:embed="rId3" cstate="print">
+            <a:extLst>
+              <a:ext uri="{28A0092B-C50C-407E-A947-70E740481C1C}">
+                <a14:useLocalDpi xmlns="" xmlns:a14="http://schemas.microsoft.com/office/drawing/2010/main" val="0"/>
+              </a:ext>
+            </a:extLst>
+          </a:blip>
+          <a:srcRect/>
+          <a:stretch>
+            <a:fillRect/>
+          </a:stretch>
+        </p:blipFill>
+        <p:spPr bwMode="auto">
+          <a:xfrm>
+            <a:off x="1259632" y="1988840"/>
+            <a:ext cx="8568952" cy="8896428"/>
+          </a:xfrm>
+          <a:prstGeom prst="rect">
+            <a:avLst/>
+          </a:prstGeom>
+          <a:noFill/>
+          <a:ln>
+            <a:noFill/>
+          </a:ln>
+          <a:extLst>
+            <a:ext uri="{909E8E84-426E-40DD-AFC4-6F175D3DCCD1}">
+              <a14:hiddenFill xmlns="" xmlns:a14="http://schemas.microsoft.com/office/drawing/2010/main">
+                <a:solidFill>
+                  <a:schemeClr val="accent1"/>
+                </a:solidFill>
+              </a14:hiddenFill>
+            </a:ext>
+            <a:ext uri="{91240B29-F687-4F45-9708-019B960494DF}">
+              <a14:hiddenLine xmlns="" xmlns:a14="http://schemas.microsoft.com/office/drawing/2010/main" w="9525">
+                <a:solidFill>
+                  <a:schemeClr val="tx1"/>
+                </a:solidFill>
+                <a:miter lim="800000"/>
+                <a:headEnd/>
+                <a:tailEnd/>
+              </a14:hiddenLine>
+            </a:ext>
+          </a:extLst>
+        </p:spPr>
+      </p:pic>
+      <p:cxnSp>
+        <p:nvCxnSpPr>
+          <p:cNvPr id="9" name="Gebogen verbindingslijn 8"/>
+          <p:cNvCxnSpPr/>
+          <p:nvPr/>
+        </p:nvCxnSpPr>
+        <p:spPr>
+          <a:xfrm rot="10800000">
+            <a:off x="2267744" y="2204864"/>
+            <a:ext cx="4464496" cy="1800200"/>
+          </a:xfrm>
+          <a:prstGeom prst="bentConnector3">
+            <a:avLst>
+              <a:gd name="adj1" fmla="val 50000"/>
+            </a:avLst>
+          </a:prstGeom>
+          <a:ln w="47625">
+            <a:tailEnd type="arrow"/>
+          </a:ln>
+        </p:spPr>
+        <p:style>
+          <a:lnRef idx="1">
+            <a:schemeClr val="accent1"/>
+          </a:lnRef>
+          <a:fillRef idx="0">
+            <a:schemeClr val="accent1"/>
+          </a:fillRef>
+          <a:effectRef idx="0">
+            <a:schemeClr val="accent1"/>
+          </a:effectRef>
+          <a:fontRef idx="minor">
+            <a:schemeClr val="tx1"/>
+          </a:fontRef>
+        </p:style>
+      </p:cxnSp>
+      <p:cxnSp>
+        <p:nvCxnSpPr>
+          <p:cNvPr id="15" name="Gebogen verbindingslijn 14"/>
+          <p:cNvCxnSpPr/>
+          <p:nvPr/>
+        </p:nvCxnSpPr>
+        <p:spPr>
+          <a:xfrm rot="10800000" flipV="1">
+            <a:off x="2267744" y="4005064"/>
+            <a:ext cx="4464496" cy="2448272"/>
+          </a:xfrm>
+          <a:prstGeom prst="bentConnector3">
+            <a:avLst>
+              <a:gd name="adj1" fmla="val 50000"/>
+            </a:avLst>
+          </a:prstGeom>
+          <a:ln w="47625">
+            <a:tailEnd type="arrow"/>
+          </a:ln>
+        </p:spPr>
+        <p:style>
+          <a:lnRef idx="1">
+            <a:schemeClr val="accent1"/>
+          </a:lnRef>
+          <a:fillRef idx="0">
+            <a:schemeClr val="accent1"/>
+          </a:fillRef>
+          <a:effectRef idx="0">
+            <a:schemeClr val="accent1"/>
+          </a:effectRef>
+          <a:fontRef idx="minor">
+            <a:schemeClr val="tx1"/>
+          </a:fontRef>
+        </p:style>
+      </p:cxnSp>
+      <p:sp>
+        <p:nvSpPr>
+          <p:cNvPr id="22" name="Tekstvak 21"/>
+          <p:cNvSpPr txBox="1"/>
+          <p:nvPr/>
+        </p:nvSpPr>
+        <p:spPr>
+          <a:xfrm>
+            <a:off x="6804248" y="3451067"/>
+            <a:ext cx="1061509" cy="1107996"/>
+          </a:xfrm>
+          <a:prstGeom prst="rect">
+            <a:avLst/>
+          </a:prstGeom>
+          <a:noFill/>
+        </p:spPr>
+        <p:txBody>
+          <a:bodyPr wrap="none" rtlCol="0">
+            <a:spAutoFit/>
+          </a:bodyPr>
+          <a:lstStyle/>
+          <a:p>
+            <a:r>
+              <a:rPr lang="nl-NL" sz="6600" dirty="0" smtClean="0">
+                <a:latin typeface="Goudy Stout" panose="0202090407030B020401" pitchFamily="18" charset="0"/>
+              </a:rPr>
+              <a:t>@</a:t>
+            </a:r>
+            <a:endParaRPr lang="nl-NL" sz="6600" dirty="0">
+              <a:latin typeface="Goudy Stout" panose="0202090407030B020401" pitchFamily="18" charset="0"/>
+            </a:endParaRPr>
           </a:p>
         </p:txBody>
       </p:sp>
     </p:spTree>
     <p:extLst>
       <p:ext uri="{BB962C8B-B14F-4D97-AF65-F5344CB8AC3E}">
-        <p14:creationId xmlns:p14="http://schemas.microsoft.com/office/powerpoint/2010/main" xmlns="" val="2234388191"/>
+        <p14:creationId xmlns="" xmlns:p14="http://schemas.microsoft.com/office/powerpoint/2010/main" val="3598662363"/>
       </p:ext>
     </p:extLst>
   </p:cSld>
@@ -5290,7 +5821,7 @@
           <a:p>
             <a:r>
               <a:rPr lang="nl-NL" dirty="0" smtClean="0"/>
-              <a:t>Play online, Store in database!</a:t>
+              <a:t>AJAX </a:t>
             </a:r>
             <a:endParaRPr lang="nl-NL" dirty="0"/>
           </a:p>
@@ -5311,34 +5842,20 @@
           <a:bodyPr/>
           <a:lstStyle/>
           <a:p>
-            <a:r>
-              <a:rPr lang="nl-NL" dirty="0" smtClean="0"/>
-              <a:t>JPA &amp; </a:t>
-            </a:r>
-            <a:r>
-              <a:rPr lang="nl-NL" dirty="0" err="1" smtClean="0"/>
-              <a:t>Hibernate</a:t>
-            </a:r>
             <a:endParaRPr lang="nl-NL" dirty="0"/>
           </a:p>
         </p:txBody>
       </p:sp>
       <p:pic>
         <p:nvPicPr>
-          <p:cNvPr id="8194" name="Picture 2"/>
+          <p:cNvPr id="3074" name="Picture 2"/>
           <p:cNvPicPr>
             <a:picLocks noChangeAspect="1" noChangeArrowheads="1"/>
           </p:cNvPicPr>
           <p:nvPr/>
         </p:nvPicPr>
         <p:blipFill>
-          <a:blip r:embed="rId2" cstate="print">
-            <a:extLst>
-              <a:ext uri="{28A0092B-C50C-407E-A947-70E740481C1C}">
-                <a14:useLocalDpi xmlns:a14="http://schemas.microsoft.com/office/drawing/2010/main" xmlns="" val="0"/>
-              </a:ext>
-            </a:extLst>
-          </a:blip>
+          <a:blip r:embed="rId2" cstate="print"/>
           <a:srcRect/>
           <a:stretch>
             <a:fillRect/>
@@ -5346,180 +5863,57 @@
         </p:blipFill>
         <p:spPr bwMode="auto">
           <a:xfrm>
-            <a:off x="1259632" y="1988840"/>
-            <a:ext cx="4486275" cy="4657725"/>
+            <a:off x="66725" y="1414091"/>
+            <a:ext cx="8919219" cy="4205044"/>
           </a:xfrm>
           <a:prstGeom prst="rect">
             <a:avLst/>
           </a:prstGeom>
           <a:noFill/>
-          <a:ln>
+          <a:ln w="9525">
             <a:noFill/>
+            <a:miter lim="800000"/>
+            <a:headEnd/>
+            <a:tailEnd/>
           </a:ln>
-          <a:extLst>
-            <a:ext uri="{909E8E84-426E-40DD-AFC4-6F175D3DCCD1}">
-              <a14:hiddenFill xmlns:a14="http://schemas.microsoft.com/office/drawing/2010/main" xmlns="">
-                <a:solidFill>
-                  <a:schemeClr val="accent1"/>
-                </a:solidFill>
-              </a14:hiddenFill>
-            </a:ext>
-            <a:ext uri="{91240B29-F687-4F45-9708-019B960494DF}">
-              <a14:hiddenLine xmlns:a14="http://schemas.microsoft.com/office/drawing/2010/main" xmlns="" w="9525">
-                <a:solidFill>
-                  <a:schemeClr val="tx1"/>
-                </a:solidFill>
-                <a:miter lim="800000"/>
-                <a:headEnd/>
-                <a:tailEnd/>
-              </a14:hiddenLine>
-            </a:ext>
-          </a:extLst>
         </p:spPr>
       </p:pic>
-      <p:cxnSp>
-        <p:nvCxnSpPr>
-          <p:cNvPr id="9" name="Gebogen verbindingslijn 8"/>
-          <p:cNvCxnSpPr/>
+      <p:pic>
+        <p:nvPicPr>
+          <p:cNvPr id="3075" name="Picture 3"/>
+          <p:cNvPicPr>
+            <a:picLocks noChangeAspect="1" noChangeArrowheads="1"/>
+          </p:cNvPicPr>
           <p:nvPr/>
-        </p:nvCxnSpPr>
-        <p:spPr>
-          <a:xfrm rot="10800000">
-            <a:off x="1763688" y="2060848"/>
-            <a:ext cx="4968552" cy="1944216"/>
-          </a:xfrm>
-          <a:prstGeom prst="bentConnector3">
-            <a:avLst>
-              <a:gd name="adj1" fmla="val 14912"/>
-            </a:avLst>
-          </a:prstGeom>
-          <a:ln w="19050">
-            <a:tailEnd type="arrow"/>
-          </a:ln>
-        </p:spPr>
-        <p:style>
-          <a:lnRef idx="1">
-            <a:schemeClr val="accent1"/>
-          </a:lnRef>
-          <a:fillRef idx="0">
-            <a:schemeClr val="accent1"/>
-          </a:fillRef>
-          <a:effectRef idx="0">
-            <a:schemeClr val="accent1"/>
-          </a:effectRef>
-          <a:fontRef idx="minor">
-            <a:schemeClr val="tx1"/>
-          </a:fontRef>
-        </p:style>
-      </p:cxnSp>
-      <p:cxnSp>
-        <p:nvCxnSpPr>
-          <p:cNvPr id="15" name="Gebogen verbindingslijn 14"/>
-          <p:cNvCxnSpPr/>
-          <p:nvPr/>
-        </p:nvCxnSpPr>
-        <p:spPr>
-          <a:xfrm rot="10800000" flipV="1">
-            <a:off x="1835696" y="4005064"/>
-            <a:ext cx="4896544" cy="312637"/>
-          </a:xfrm>
-          <a:prstGeom prst="bentConnector3">
-            <a:avLst>
-              <a:gd name="adj1" fmla="val 15095"/>
-            </a:avLst>
-          </a:prstGeom>
-          <a:ln w="19050">
-            <a:tailEnd type="arrow"/>
-          </a:ln>
-        </p:spPr>
-        <p:style>
-          <a:lnRef idx="1">
-            <a:schemeClr val="accent1"/>
-          </a:lnRef>
-          <a:fillRef idx="0">
-            <a:schemeClr val="accent1"/>
-          </a:fillRef>
-          <a:effectRef idx="0">
-            <a:schemeClr val="accent1"/>
-          </a:effectRef>
-          <a:fontRef idx="minor">
-            <a:schemeClr val="tx1"/>
-          </a:fontRef>
-        </p:style>
-      </p:cxnSp>
-      <p:cxnSp>
-        <p:nvCxnSpPr>
-          <p:cNvPr id="18" name="Gebogen verbindingslijn 17"/>
-          <p:cNvCxnSpPr/>
-          <p:nvPr/>
-        </p:nvCxnSpPr>
-        <p:spPr>
-          <a:xfrm rot="10800000" flipV="1">
-            <a:off x="2267744" y="4005064"/>
-            <a:ext cx="4464497" cy="2088232"/>
-          </a:xfrm>
-          <a:prstGeom prst="bentConnector3">
-            <a:avLst>
-              <a:gd name="adj1" fmla="val 16502"/>
-            </a:avLst>
-          </a:prstGeom>
-          <a:ln w="19050">
-            <a:tailEnd type="arrow"/>
-          </a:ln>
-        </p:spPr>
-        <p:style>
-          <a:lnRef idx="1">
-            <a:schemeClr val="accent1"/>
-          </a:lnRef>
-          <a:fillRef idx="0">
-            <a:schemeClr val="accent1"/>
-          </a:fillRef>
-          <a:effectRef idx="0">
-            <a:schemeClr val="accent1"/>
-          </a:effectRef>
-          <a:fontRef idx="minor">
-            <a:schemeClr val="tx1"/>
-          </a:fontRef>
-        </p:style>
-      </p:cxnSp>
-      <p:sp>
-        <p:nvSpPr>
-          <p:cNvPr id="22" name="Tekstvak 21"/>
-          <p:cNvSpPr txBox="1"/>
-          <p:nvPr/>
-        </p:nvSpPr>
-        <p:spPr>
+        </p:nvPicPr>
+        <p:blipFill>
+          <a:blip r:embed="rId3" cstate="print"/>
+          <a:srcRect/>
+          <a:stretch>
+            <a:fillRect/>
+          </a:stretch>
+        </p:blipFill>
+        <p:spPr bwMode="auto">
           <a:xfrm>
-            <a:off x="6804248" y="3451067"/>
-            <a:ext cx="1061509" cy="1107996"/>
+            <a:off x="6876256" y="4797152"/>
+            <a:ext cx="2019994" cy="1829569"/>
           </a:xfrm>
           <a:prstGeom prst="rect">
             <a:avLst/>
           </a:prstGeom>
           <a:noFill/>
-        </p:spPr>
-        <p:txBody>
-          <a:bodyPr wrap="none" rtlCol="0">
-            <a:spAutoFit/>
-          </a:bodyPr>
-          <a:lstStyle/>
-          <a:p>
-            <a:r>
-              <a:rPr lang="nl-NL" sz="6600" dirty="0" smtClean="0">
-                <a:latin typeface="Goudy Stout" panose="0202090407030B020401" pitchFamily="18" charset="0"/>
-              </a:rPr>
-              <a:t>@</a:t>
-            </a:r>
-            <a:endParaRPr lang="nl-NL" sz="6600" dirty="0">
-              <a:latin typeface="Goudy Stout" panose="0202090407030B020401" pitchFamily="18" charset="0"/>
-            </a:endParaRPr>
-          </a:p>
-        </p:txBody>
-      </p:sp>
+          <a:ln w="9525">
+            <a:noFill/>
+            <a:miter lim="800000"/>
+            <a:headEnd/>
+            <a:tailEnd/>
+          </a:ln>
+        </p:spPr>
+      </p:pic>
     </p:spTree>
     <p:extLst>
       <p:ext uri="{BB962C8B-B14F-4D97-AF65-F5344CB8AC3E}">
-        <p14:creationId xmlns:p14="http://schemas.microsoft.com/office/powerpoint/2010/main" xmlns="" val="3598662363"/>
+        <p14:creationId xmlns="" xmlns:p14="http://schemas.microsoft.com/office/powerpoint/2010/main" val="1561711929"/>
       </p:ext>
     </p:extLst>
   </p:cSld>
@@ -5806,4 +6200,287 @@
   <a:objectDefaults/>
   <a:extraClrSchemeLst/>
 </a:theme>
+</file>
+
+<file path=ppt/theme/theme2.xml><?xml version="1.0" encoding="utf-8"?>
+<a:theme xmlns:a="http://schemas.openxmlformats.org/drawingml/2006/main" name="Office-thema">
+  <a:themeElements>
+    <a:clrScheme name="Kantoor">
+      <a:dk1>
+        <a:sysClr val="windowText" lastClr="000000"/>
+      </a:dk1>
+      <a:lt1>
+        <a:sysClr val="window" lastClr="FFFFFF"/>
+      </a:lt1>
+      <a:dk2>
+        <a:srgbClr val="1F497D"/>
+      </a:dk2>
+      <a:lt2>
+        <a:srgbClr val="EEECE1"/>
+      </a:lt2>
+      <a:accent1>
+        <a:srgbClr val="4F81BD"/>
+      </a:accent1>
+      <a:accent2>
+        <a:srgbClr val="C0504D"/>
+      </a:accent2>
+      <a:accent3>
+        <a:srgbClr val="9BBB59"/>
+      </a:accent3>
+      <a:accent4>
+        <a:srgbClr val="8064A2"/>
+      </a:accent4>
+      <a:accent5>
+        <a:srgbClr val="4BACC6"/>
+      </a:accent5>
+      <a:accent6>
+        <a:srgbClr val="F79646"/>
+      </a:accent6>
+      <a:hlink>
+        <a:srgbClr val="0000FF"/>
+      </a:hlink>
+      <a:folHlink>
+        <a:srgbClr val="800080"/>
+      </a:folHlink>
+    </a:clrScheme>
+    <a:fontScheme name="Kantoor">
+      <a:majorFont>
+        <a:latin typeface="Calibri"/>
+        <a:ea typeface=""/>
+        <a:cs typeface=""/>
+        <a:font script="Jpan" typeface="ＭＳ Ｐゴシック"/>
+        <a:font script="Hang" typeface="맑은 고딕"/>
+        <a:font script="Hans" typeface="宋体"/>
+        <a:font script="Hant" typeface="新細明體"/>
+        <a:font script="Arab" typeface="Times New Roman"/>
+        <a:font script="Hebr" typeface="Times New Roman"/>
+        <a:font script="Thai" typeface="Angsana New"/>
+        <a:font script="Ethi" typeface="Nyala"/>
+        <a:font script="Beng" typeface="Vrinda"/>
+        <a:font script="Gujr" typeface="Shruti"/>
+        <a:font script="Khmr" typeface="MoolBoran"/>
+        <a:font script="Knda" typeface="Tunga"/>
+        <a:font script="Guru" typeface="Raavi"/>
+        <a:font script="Cans" typeface="Euphemia"/>
+        <a:font script="Cher" typeface="Plantagenet Cherokee"/>
+        <a:font script="Yiii" typeface="Microsoft Yi Baiti"/>
+        <a:font script="Tibt" typeface="Microsoft Himalaya"/>
+        <a:font script="Thaa" typeface="MV Boli"/>
+        <a:font script="Deva" typeface="Mangal"/>
+        <a:font script="Telu" typeface="Gautami"/>
+        <a:font script="Taml" typeface="Latha"/>
+        <a:font script="Syrc" typeface="Estrangelo Edessa"/>
+        <a:font script="Orya" typeface="Kalinga"/>
+        <a:font script="Mlym" typeface="Kartika"/>
+        <a:font script="Laoo" typeface="DokChampa"/>
+        <a:font script="Sinh" typeface="Iskoola Pota"/>
+        <a:font script="Mong" typeface="Mongolian Baiti"/>
+        <a:font script="Viet" typeface="Times New Roman"/>
+        <a:font script="Uigh" typeface="Microsoft Uighur"/>
+      </a:majorFont>
+      <a:minorFont>
+        <a:latin typeface="Calibri"/>
+        <a:ea typeface=""/>
+        <a:cs typeface=""/>
+        <a:font script="Jpan" typeface="ＭＳ Ｐゴシック"/>
+        <a:font script="Hang" typeface="맑은 고딕"/>
+        <a:font script="Hans" typeface="宋体"/>
+        <a:font script="Hant" typeface="新細明體"/>
+        <a:font script="Arab" typeface="Arial"/>
+        <a:font script="Hebr" typeface="Arial"/>
+        <a:font script="Thai" typeface="Cordia New"/>
+        <a:font script="Ethi" typeface="Nyala"/>
+        <a:font script="Beng" typeface="Vrinda"/>
+        <a:font script="Gujr" typeface="Shruti"/>
+        <a:font script="Khmr" typeface="DaunPenh"/>
+        <a:font script="Knda" typeface="Tunga"/>
+        <a:font script="Guru" typeface="Raavi"/>
+        <a:font script="Cans" typeface="Euphemia"/>
+        <a:font script="Cher" typeface="Plantagenet Cherokee"/>
+        <a:font script="Yiii" typeface="Microsoft Yi Baiti"/>
+        <a:font script="Tibt" typeface="Microsoft Himalaya"/>
+        <a:font script="Thaa" typeface="MV Boli"/>
+        <a:font script="Deva" typeface="Mangal"/>
+        <a:font script="Telu" typeface="Gautami"/>
+        <a:font script="Taml" typeface="Latha"/>
+        <a:font script="Syrc" typeface="Estrangelo Edessa"/>
+        <a:font script="Orya" typeface="Kalinga"/>
+        <a:font script="Mlym" typeface="Kartika"/>
+        <a:font script="Laoo" typeface="DokChampa"/>
+        <a:font script="Sinh" typeface="Iskoola Pota"/>
+        <a:font script="Mong" typeface="Mongolian Baiti"/>
+        <a:font script="Viet" typeface="Arial"/>
+        <a:font script="Uigh" typeface="Microsoft Uighur"/>
+      </a:minorFont>
+    </a:fontScheme>
+    <a:fmtScheme name="Kantoor">
+      <a:fillStyleLst>
+        <a:solidFill>
+          <a:schemeClr val="phClr"/>
+        </a:solidFill>
+        <a:gradFill rotWithShape="1">
+          <a:gsLst>
+            <a:gs pos="0">
+              <a:schemeClr val="phClr">
+                <a:tint val="50000"/>
+                <a:satMod val="300000"/>
+              </a:schemeClr>
+            </a:gs>
+            <a:gs pos="35000">
+              <a:schemeClr val="phClr">
+                <a:tint val="37000"/>
+                <a:satMod val="300000"/>
+              </a:schemeClr>
+            </a:gs>
+            <a:gs pos="100000">
+              <a:schemeClr val="phClr">
+                <a:tint val="15000"/>
+                <a:satMod val="350000"/>
+              </a:schemeClr>
+            </a:gs>
+          </a:gsLst>
+          <a:lin ang="16200000" scaled="1"/>
+        </a:gradFill>
+        <a:gradFill rotWithShape="1">
+          <a:gsLst>
+            <a:gs pos="0">
+              <a:schemeClr val="phClr">
+                <a:shade val="51000"/>
+                <a:satMod val="130000"/>
+              </a:schemeClr>
+            </a:gs>
+            <a:gs pos="80000">
+              <a:schemeClr val="phClr">
+                <a:shade val="93000"/>
+                <a:satMod val="130000"/>
+              </a:schemeClr>
+            </a:gs>
+            <a:gs pos="100000">
+              <a:schemeClr val="phClr">
+                <a:shade val="94000"/>
+                <a:satMod val="135000"/>
+              </a:schemeClr>
+            </a:gs>
+          </a:gsLst>
+          <a:lin ang="16200000" scaled="0"/>
+        </a:gradFill>
+      </a:fillStyleLst>
+      <a:lnStyleLst>
+        <a:ln w="9525" cap="flat" cmpd="sng" algn="ctr">
+          <a:solidFill>
+            <a:schemeClr val="phClr">
+              <a:shade val="95000"/>
+              <a:satMod val="105000"/>
+            </a:schemeClr>
+          </a:solidFill>
+          <a:prstDash val="solid"/>
+        </a:ln>
+        <a:ln w="25400" cap="flat" cmpd="sng" algn="ctr">
+          <a:solidFill>
+            <a:schemeClr val="phClr"/>
+          </a:solidFill>
+          <a:prstDash val="solid"/>
+        </a:ln>
+        <a:ln w="38100" cap="flat" cmpd="sng" algn="ctr">
+          <a:solidFill>
+            <a:schemeClr val="phClr"/>
+          </a:solidFill>
+          <a:prstDash val="solid"/>
+        </a:ln>
+      </a:lnStyleLst>
+      <a:effectStyleLst>
+        <a:effectStyle>
+          <a:effectLst>
+            <a:outerShdw blurRad="40000" dist="20000" dir="5400000" rotWithShape="0">
+              <a:srgbClr val="000000">
+                <a:alpha val="38000"/>
+              </a:srgbClr>
+            </a:outerShdw>
+          </a:effectLst>
+        </a:effectStyle>
+        <a:effectStyle>
+          <a:effectLst>
+            <a:outerShdw blurRad="40000" dist="23000" dir="5400000" rotWithShape="0">
+              <a:srgbClr val="000000">
+                <a:alpha val="35000"/>
+              </a:srgbClr>
+            </a:outerShdw>
+          </a:effectLst>
+        </a:effectStyle>
+        <a:effectStyle>
+          <a:effectLst>
+            <a:outerShdw blurRad="40000" dist="23000" dir="5400000" rotWithShape="0">
+              <a:srgbClr val="000000">
+                <a:alpha val="35000"/>
+              </a:srgbClr>
+            </a:outerShdw>
+          </a:effectLst>
+          <a:scene3d>
+            <a:camera prst="orthographicFront">
+              <a:rot lat="0" lon="0" rev="0"/>
+            </a:camera>
+            <a:lightRig rig="threePt" dir="t">
+              <a:rot lat="0" lon="0" rev="1200000"/>
+            </a:lightRig>
+          </a:scene3d>
+          <a:sp3d>
+            <a:bevelT w="63500" h="25400"/>
+          </a:sp3d>
+        </a:effectStyle>
+      </a:effectStyleLst>
+      <a:bgFillStyleLst>
+        <a:solidFill>
+          <a:schemeClr val="phClr"/>
+        </a:solidFill>
+        <a:gradFill rotWithShape="1">
+          <a:gsLst>
+            <a:gs pos="0">
+              <a:schemeClr val="phClr">
+                <a:tint val="40000"/>
+                <a:satMod val="350000"/>
+              </a:schemeClr>
+            </a:gs>
+            <a:gs pos="40000">
+              <a:schemeClr val="phClr">
+                <a:tint val="45000"/>
+                <a:shade val="99000"/>
+                <a:satMod val="350000"/>
+              </a:schemeClr>
+            </a:gs>
+            <a:gs pos="100000">
+              <a:schemeClr val="phClr">
+                <a:shade val="20000"/>
+                <a:satMod val="255000"/>
+              </a:schemeClr>
+            </a:gs>
+          </a:gsLst>
+          <a:path path="circle">
+            <a:fillToRect l="50000" t="-80000" r="50000" b="180000"/>
+          </a:path>
+        </a:gradFill>
+        <a:gradFill rotWithShape="1">
+          <a:gsLst>
+            <a:gs pos="0">
+              <a:schemeClr val="phClr">
+                <a:tint val="80000"/>
+                <a:satMod val="300000"/>
+              </a:schemeClr>
+            </a:gs>
+            <a:gs pos="100000">
+              <a:schemeClr val="phClr">
+                <a:shade val="30000"/>
+                <a:satMod val="200000"/>
+              </a:schemeClr>
+            </a:gs>
+          </a:gsLst>
+          <a:path path="circle">
+            <a:fillToRect l="50000" t="50000" r="50000" b="50000"/>
+          </a:path>
+        </a:gradFill>
+      </a:bgFillStyleLst>
+    </a:fmtScheme>
+  </a:themeElements>
+  <a:objectDefaults/>
+  <a:extraClrSchemeLst/>
+</a:theme>
 </file>
--- a/Reversi.pptx
+++ b/Reversi.pptx
@@ -5,7 +5,7 @@
     <p:sldMasterId id="2147483660" r:id="rId1"/>
   </p:sldMasterIdLst>
   <p:notesMasterIdLst>
-    <p:notesMasterId r:id="rId14"/>
+    <p:notesMasterId r:id="rId16"/>
   </p:notesMasterIdLst>
   <p:sldIdLst>
     <p:sldId id="256" r:id="rId2"/>
@@ -16,10 +16,12 @@
     <p:sldId id="261" r:id="rId7"/>
     <p:sldId id="263" r:id="rId8"/>
     <p:sldId id="264" r:id="rId9"/>
-    <p:sldId id="265" r:id="rId10"/>
-    <p:sldId id="262" r:id="rId11"/>
-    <p:sldId id="266" r:id="rId12"/>
-    <p:sldId id="267" r:id="rId13"/>
+    <p:sldId id="268" r:id="rId10"/>
+    <p:sldId id="265" r:id="rId11"/>
+    <p:sldId id="262" r:id="rId12"/>
+    <p:sldId id="266" r:id="rId13"/>
+    <p:sldId id="267" r:id="rId14"/>
+    <p:sldId id="269" r:id="rId15"/>
   </p:sldIdLst>
   <p:sldSz cx="9144000" cy="6858000" type="screen4x3"/>
   <p:notesSz cx="6858000" cy="9144000"/>
@@ -203,7 +205,8 @@
           <a:p>
             <a:fld id="{E1BAB63C-754C-4B22-9E16-440FC0FCE826}" type="datetimeFigureOut">
               <a:rPr lang="nl-NL" smtClean="0"/>
-              <a:t>19-11-2015</a:t>
+              <a:pPr/>
+              <a:t>20-11-2015</a:t>
             </a:fld>
             <a:endParaRPr lang="nl-NL"/>
           </a:p>
@@ -364,6 +367,7 @@
           <a:p>
             <a:fld id="{3C1B18C4-ABFA-494A-B6BA-E990B641C419}" type="slidenum">
               <a:rPr lang="nl-NL" smtClean="0"/>
+              <a:pPr/>
               <a:t>‹nr.›</a:t>
             </a:fld>
             <a:endParaRPr lang="nl-NL"/>
@@ -535,6 +539,7 @@
           <a:p>
             <a:fld id="{3C1B18C4-ABFA-494A-B6BA-E990B641C419}" type="slidenum">
               <a:rPr lang="nl-NL" smtClean="0"/>
+              <a:pPr/>
               <a:t>1</a:t>
             </a:fld>
             <a:endParaRPr lang="nl-NL"/>
@@ -616,6 +621,7 @@
           <a:p>
             <a:fld id="{3C1B18C4-ABFA-494A-B6BA-E990B641C419}" type="slidenum">
               <a:rPr lang="nl-NL" smtClean="0"/>
+              <a:pPr/>
               <a:t>8</a:t>
             </a:fld>
             <a:endParaRPr lang="nl-NL"/>
@@ -825,7 +831,7 @@
             <a:fld id="{A2C23045-2295-4BC9-A3F3-33602CAD400C}" type="datetimeFigureOut">
               <a:rPr lang="nl-NL" smtClean="0"/>
               <a:pPr/>
-              <a:t>19-11-2015</a:t>
+              <a:t>20-11-2015</a:t>
             </a:fld>
             <a:endParaRPr lang="nl-NL"/>
           </a:p>
@@ -1180,7 +1186,7 @@
             <a:fld id="{A2C23045-2295-4BC9-A3F3-33602CAD400C}" type="datetimeFigureOut">
               <a:rPr lang="nl-NL" smtClean="0"/>
               <a:pPr/>
-              <a:t>19-11-2015</a:t>
+              <a:t>20-11-2015</a:t>
             </a:fld>
             <a:endParaRPr lang="nl-NL"/>
           </a:p>
@@ -1357,7 +1363,7 @@
             <a:fld id="{A2C23045-2295-4BC9-A3F3-33602CAD400C}" type="datetimeFigureOut">
               <a:rPr lang="nl-NL" smtClean="0"/>
               <a:pPr/>
-              <a:t>19-11-2015</a:t>
+              <a:t>20-11-2015</a:t>
             </a:fld>
             <a:endParaRPr lang="nl-NL"/>
           </a:p>
@@ -1472,7 +1478,7 @@
             <a:fld id="{A2C23045-2295-4BC9-A3F3-33602CAD400C}" type="datetimeFigureOut">
               <a:rPr lang="nl-NL" smtClean="0"/>
               <a:pPr/>
-              <a:t>19-11-2015</a:t>
+              <a:t>20-11-2015</a:t>
             </a:fld>
             <a:endParaRPr lang="nl-NL"/>
           </a:p>
@@ -1832,7 +1838,7 @@
             <a:fld id="{A2C23045-2295-4BC9-A3F3-33602CAD400C}" type="datetimeFigureOut">
               <a:rPr lang="nl-NL" smtClean="0"/>
               <a:pPr/>
-              <a:t>19-11-2015</a:t>
+              <a:t>20-11-2015</a:t>
             </a:fld>
             <a:endParaRPr lang="nl-NL"/>
           </a:p>
@@ -2099,7 +2105,7 @@
             <a:fld id="{A2C23045-2295-4BC9-A3F3-33602CAD400C}" type="datetimeFigureOut">
               <a:rPr lang="nl-NL" smtClean="0"/>
               <a:pPr/>
-              <a:t>19-11-2015</a:t>
+              <a:t>20-11-2015</a:t>
             </a:fld>
             <a:endParaRPr lang="nl-NL"/>
           </a:p>
@@ -2463,7 +2469,7 @@
             <a:fld id="{A2C23045-2295-4BC9-A3F3-33602CAD400C}" type="datetimeFigureOut">
               <a:rPr lang="nl-NL" smtClean="0"/>
               <a:pPr/>
-              <a:t>19-11-2015</a:t>
+              <a:t>20-11-2015</a:t>
             </a:fld>
             <a:endParaRPr lang="nl-NL"/>
           </a:p>
@@ -2692,7 +2698,7 @@
             <a:fld id="{A2C23045-2295-4BC9-A3F3-33602CAD400C}" type="datetimeFigureOut">
               <a:rPr lang="nl-NL" smtClean="0"/>
               <a:pPr/>
-              <a:t>19-11-2015</a:t>
+              <a:t>20-11-2015</a:t>
             </a:fld>
             <a:endParaRPr lang="nl-NL"/>
           </a:p>
@@ -2784,7 +2790,7 @@
             <a:fld id="{A2C23045-2295-4BC9-A3F3-33602CAD400C}" type="datetimeFigureOut">
               <a:rPr lang="nl-NL" smtClean="0"/>
               <a:pPr/>
-              <a:t>19-11-2015</a:t>
+              <a:t>20-11-2015</a:t>
             </a:fld>
             <a:endParaRPr lang="nl-NL"/>
           </a:p>
@@ -3053,7 +3059,7 @@
             <a:fld id="{A2C23045-2295-4BC9-A3F3-33602CAD400C}" type="datetimeFigureOut">
               <a:rPr lang="nl-NL" smtClean="0"/>
               <a:pPr/>
-              <a:t>19-11-2015</a:t>
+              <a:t>20-11-2015</a:t>
             </a:fld>
             <a:endParaRPr lang="nl-NL"/>
           </a:p>
@@ -3283,7 +3289,7 @@
             <a:fld id="{A2C23045-2295-4BC9-A3F3-33602CAD400C}" type="datetimeFigureOut">
               <a:rPr lang="nl-NL" smtClean="0"/>
               <a:pPr/>
-              <a:t>19-11-2015</a:t>
+              <a:t>20-11-2015</a:t>
             </a:fld>
             <a:endParaRPr lang="nl-NL"/>
           </a:p>
@@ -3784,7 +3790,7 @@
             <a:fld id="{A2C23045-2295-4BC9-A3F3-33602CAD400C}" type="datetimeFigureOut">
               <a:rPr lang="nl-NL" smtClean="0"/>
               <a:pPr/>
-              <a:t>19-11-2015</a:t>
+              <a:t>20-11-2015</a:t>
             </a:fld>
             <a:endParaRPr lang="nl-NL"/>
           </a:p>
@@ -4267,7 +4273,7 @@
     </p:spTree>
     <p:extLst>
       <p:ext uri="{BB962C8B-B14F-4D97-AF65-F5344CB8AC3E}">
-        <p14:creationId xmlns="" xmlns:p14="http://schemas.microsoft.com/office/powerpoint/2010/main" val="2573907673"/>
+        <p14:creationId xmlns:p14="http://schemas.microsoft.com/office/powerpoint/2010/main" xmlns="" val="2573907673"/>
       </p:ext>
     </p:extLst>
   </p:cSld>
@@ -4316,10 +4322,9 @@
           <a:bodyPr/>
           <a:lstStyle/>
           <a:p>
-            <a:pPr algn="ctr"/>
             <a:r>
               <a:rPr lang="nl-NL" dirty="0" smtClean="0"/>
-              <a:t>DEMO!</a:t>
+              <a:t>AJAX </a:t>
             </a:r>
             <a:endParaRPr lang="nl-NL" dirty="0"/>
           </a:p>
@@ -4340,14 +4345,78 @@
           <a:bodyPr/>
           <a:lstStyle/>
           <a:p>
-            <a:endParaRPr lang="nl-NL"/>
-          </a:p>
-        </p:txBody>
-      </p:sp>
+            <a:endParaRPr lang="nl-NL" dirty="0"/>
+          </a:p>
+        </p:txBody>
+      </p:sp>
+      <p:pic>
+        <p:nvPicPr>
+          <p:cNvPr id="3074" name="Picture 2"/>
+          <p:cNvPicPr>
+            <a:picLocks noChangeAspect="1" noChangeArrowheads="1"/>
+          </p:cNvPicPr>
+          <p:nvPr/>
+        </p:nvPicPr>
+        <p:blipFill>
+          <a:blip r:embed="rId2" cstate="print"/>
+          <a:srcRect/>
+          <a:stretch>
+            <a:fillRect/>
+          </a:stretch>
+        </p:blipFill>
+        <p:spPr bwMode="auto">
+          <a:xfrm>
+            <a:off x="66725" y="1414091"/>
+            <a:ext cx="8919219" cy="4205044"/>
+          </a:xfrm>
+          <a:prstGeom prst="rect">
+            <a:avLst/>
+          </a:prstGeom>
+          <a:noFill/>
+          <a:ln w="9525">
+            <a:noFill/>
+            <a:miter lim="800000"/>
+            <a:headEnd/>
+            <a:tailEnd/>
+          </a:ln>
+        </p:spPr>
+      </p:pic>
+      <p:pic>
+        <p:nvPicPr>
+          <p:cNvPr id="3075" name="Picture 3"/>
+          <p:cNvPicPr>
+            <a:picLocks noChangeAspect="1" noChangeArrowheads="1"/>
+          </p:cNvPicPr>
+          <p:nvPr/>
+        </p:nvPicPr>
+        <p:blipFill>
+          <a:blip r:embed="rId3" cstate="print"/>
+          <a:srcRect/>
+          <a:stretch>
+            <a:fillRect/>
+          </a:stretch>
+        </p:blipFill>
+        <p:spPr bwMode="auto">
+          <a:xfrm>
+            <a:off x="6876256" y="4797152"/>
+            <a:ext cx="2019994" cy="1829569"/>
+          </a:xfrm>
+          <a:prstGeom prst="rect">
+            <a:avLst/>
+          </a:prstGeom>
+          <a:noFill/>
+          <a:ln w="9525">
+            <a:noFill/>
+            <a:miter lim="800000"/>
+            <a:headEnd/>
+            <a:tailEnd/>
+          </a:ln>
+        </p:spPr>
+      </p:pic>
     </p:spTree>
     <p:extLst>
       <p:ext uri="{BB962C8B-B14F-4D97-AF65-F5344CB8AC3E}">
-        <p14:creationId xmlns="" xmlns:p14="http://schemas.microsoft.com/office/powerpoint/2010/main" val="2234388191"/>
+        <p14:creationId xmlns:p14="http://schemas.microsoft.com/office/powerpoint/2010/main" xmlns="" val="1561711929"/>
       </p:ext>
     </p:extLst>
   </p:cSld>
@@ -4396,13 +4465,10 @@
           <a:bodyPr/>
           <a:lstStyle/>
           <a:p>
-            <a:r>
-              <a:rPr lang="nl-NL" dirty="0" err="1" smtClean="0"/>
-              <a:t>Future</a:t>
-            </a:r>
+            <a:pPr algn="ctr"/>
             <a:r>
               <a:rPr lang="nl-NL" dirty="0" smtClean="0"/>
-              <a:t> plans</a:t>
+              <a:t>DEMO!</a:t>
             </a:r>
             <a:endParaRPr lang="nl-NL" dirty="0"/>
           </a:p>
@@ -4423,30 +4489,40 @@
           <a:bodyPr/>
           <a:lstStyle/>
           <a:p>
-            <a:r>
-              <a:rPr lang="nl-NL" dirty="0" err="1" smtClean="0"/>
-              <a:t>Cheat-proof</a:t>
-            </a:r>
-            <a:endParaRPr lang="nl-NL" dirty="0" smtClean="0"/>
-          </a:p>
-          <a:p>
-            <a:endParaRPr lang="nl-NL" dirty="0" smtClean="0"/>
-          </a:p>
-          <a:p>
-            <a:r>
-              <a:rPr lang="nl-NL" dirty="0" smtClean="0"/>
-              <a:t>High scores</a:t>
-            </a:r>
-          </a:p>
-          <a:p>
-            <a:endParaRPr lang="nl-NL" dirty="0"/>
-          </a:p>
-        </p:txBody>
-      </p:sp>
+            <a:endParaRPr lang="nl-NL"/>
+          </a:p>
+        </p:txBody>
+      </p:sp>
+      <p:pic>
+        <p:nvPicPr>
+          <p:cNvPr id="4098" name="Picture 2" descr="http://www.nuxiba.com/img/banner-demo-free.jpg"/>
+          <p:cNvPicPr>
+            <a:picLocks noChangeAspect="1" noChangeArrowheads="1"/>
+          </p:cNvPicPr>
+          <p:nvPr/>
+        </p:nvPicPr>
+        <p:blipFill>
+          <a:blip r:embed="rId2" cstate="print"/>
+          <a:srcRect/>
+          <a:stretch>
+            <a:fillRect/>
+          </a:stretch>
+        </p:blipFill>
+        <p:spPr bwMode="auto">
+          <a:xfrm>
+            <a:off x="191729" y="1787564"/>
+            <a:ext cx="8764724" cy="2736304"/>
+          </a:xfrm>
+          <a:prstGeom prst="rect">
+            <a:avLst/>
+          </a:prstGeom>
+          <a:noFill/>
+        </p:spPr>
+      </p:pic>
     </p:spTree>
     <p:extLst>
       <p:ext uri="{BB962C8B-B14F-4D97-AF65-F5344CB8AC3E}">
-        <p14:creationId xmlns="" xmlns:p14="http://schemas.microsoft.com/office/powerpoint/2010/main" val="2305397116"/>
+        <p14:creationId xmlns:p14="http://schemas.microsoft.com/office/powerpoint/2010/main" xmlns="" val="2234388191"/>
       </p:ext>
     </p:extLst>
   </p:cSld>
@@ -4497,6 +4573,136 @@
           <a:p>
             <a:r>
               <a:rPr lang="nl-NL" dirty="0" err="1" smtClean="0"/>
+              <a:t>Future</a:t>
+            </a:r>
+            <a:r>
+              <a:rPr lang="nl-NL" dirty="0" smtClean="0"/>
+              <a:t> plans</a:t>
+            </a:r>
+            <a:endParaRPr lang="nl-NL" dirty="0"/>
+          </a:p>
+        </p:txBody>
+      </p:sp>
+      <p:sp>
+        <p:nvSpPr>
+          <p:cNvPr id="3" name="Tijdelijke aanduiding voor inhoud 2"/>
+          <p:cNvSpPr>
+            <a:spLocks noGrp="1"/>
+          </p:cNvSpPr>
+          <p:nvPr>
+            <p:ph sz="quarter" idx="1"/>
+          </p:nvPr>
+        </p:nvSpPr>
+        <p:spPr/>
+        <p:txBody>
+          <a:bodyPr/>
+          <a:lstStyle/>
+          <a:p>
+            <a:r>
+              <a:rPr lang="nl-NL" dirty="0" smtClean="0"/>
+              <a:t>Chatbox</a:t>
+            </a:r>
+          </a:p>
+          <a:p>
+            <a:endParaRPr lang="nl-NL" dirty="0" smtClean="0"/>
+          </a:p>
+          <a:p>
+            <a:r>
+              <a:rPr lang="nl-NL" dirty="0" smtClean="0"/>
+              <a:t>Error-500</a:t>
+            </a:r>
+            <a:r>
+              <a:rPr lang="nl-NL" dirty="0" smtClean="0"/>
+              <a:t>-proof</a:t>
+            </a:r>
+            <a:endParaRPr lang="nl-NL" dirty="0" smtClean="0"/>
+          </a:p>
+          <a:p>
+            <a:endParaRPr lang="nl-NL" dirty="0" smtClean="0"/>
+          </a:p>
+          <a:p>
+            <a:r>
+              <a:rPr lang="nl-NL" dirty="0" smtClean="0"/>
+              <a:t>High </a:t>
+            </a:r>
+            <a:r>
+              <a:rPr lang="nl-NL" dirty="0" smtClean="0"/>
+              <a:t>scores</a:t>
+            </a:r>
+          </a:p>
+          <a:p>
+            <a:endParaRPr lang="nl-NL" dirty="0" smtClean="0"/>
+          </a:p>
+          <a:p>
+            <a:r>
+              <a:rPr lang="nl-NL" dirty="0" err="1" smtClean="0"/>
+              <a:t>Graphics</a:t>
+            </a:r>
+            <a:r>
+              <a:rPr lang="nl-NL" dirty="0" smtClean="0"/>
+              <a:t>?</a:t>
+            </a:r>
+            <a:endParaRPr lang="nl-NL" dirty="0" smtClean="0"/>
+          </a:p>
+          <a:p>
+            <a:endParaRPr lang="nl-NL" dirty="0"/>
+          </a:p>
+        </p:txBody>
+      </p:sp>
+    </p:spTree>
+    <p:extLst>
+      <p:ext uri="{BB962C8B-B14F-4D97-AF65-F5344CB8AC3E}">
+        <p14:creationId xmlns:p14="http://schemas.microsoft.com/office/powerpoint/2010/main" xmlns="" val="2305397116"/>
+      </p:ext>
+    </p:extLst>
+  </p:cSld>
+  <p:clrMapOvr>
+    <a:masterClrMapping/>
+  </p:clrMapOvr>
+  <p:timing>
+    <p:tnLst>
+      <p:par>
+        <p:cTn id="1" dur="indefinite" restart="never" nodeType="tmRoot"/>
+      </p:par>
+    </p:tnLst>
+  </p:timing>
+</p:sld>
+</file>
+
+<file path=ppt/slides/slide13.xml><?xml version="1.0" encoding="utf-8"?>
+<p:sld xmlns:a="http://schemas.openxmlformats.org/drawingml/2006/main" xmlns:r="http://schemas.openxmlformats.org/officeDocument/2006/relationships" xmlns:p="http://schemas.openxmlformats.org/presentationml/2006/main">
+  <p:cSld>
+    <p:spTree>
+      <p:nvGrpSpPr>
+        <p:cNvPr id="1" name=""/>
+        <p:cNvGrpSpPr/>
+        <p:nvPr/>
+      </p:nvGrpSpPr>
+      <p:grpSpPr>
+        <a:xfrm>
+          <a:off x="0" y="0"/>
+          <a:ext cx="0" cy="0"/>
+          <a:chOff x="0" y="0"/>
+          <a:chExt cx="0" cy="0"/>
+        </a:xfrm>
+      </p:grpSpPr>
+      <p:sp>
+        <p:nvSpPr>
+          <p:cNvPr id="2" name="Titel 1"/>
+          <p:cNvSpPr>
+            <a:spLocks noGrp="1"/>
+          </p:cNvSpPr>
+          <p:nvPr>
+            <p:ph type="title"/>
+          </p:nvPr>
+        </p:nvSpPr>
+        <p:spPr/>
+        <p:txBody>
+          <a:bodyPr/>
+          <a:lstStyle/>
+          <a:p>
+            <a:r>
+              <a:rPr lang="nl-NL" dirty="0" err="1" smtClean="0"/>
               <a:t>Thank</a:t>
             </a:r>
             <a:r>
@@ -4562,7 +4768,7 @@
           <a:blip r:embed="rId2" cstate="print">
             <a:extLst>
               <a:ext uri="{28A0092B-C50C-407E-A947-70E740481C1C}">
-                <a14:useLocalDpi xmlns="" xmlns:a14="http://schemas.microsoft.com/office/drawing/2010/main" val="0"/>
+                <a14:useLocalDpi xmlns:a14="http://schemas.microsoft.com/office/drawing/2010/main" xmlns="" val="0"/>
               </a:ext>
             </a:extLst>
           </a:blip>
@@ -4582,7 +4788,7 @@
           <a:noFill/>
           <a:extLst>
             <a:ext uri="{909E8E84-426E-40DD-AFC4-6F175D3DCCD1}">
-              <a14:hiddenFill xmlns="" xmlns:a14="http://schemas.microsoft.com/office/drawing/2010/main">
+              <a14:hiddenFill xmlns:a14="http://schemas.microsoft.com/office/drawing/2010/main" xmlns="">
                 <a:solidFill>
                   <a:srgbClr val="FFFFFF"/>
                 </a:solidFill>
@@ -4594,9 +4800,113 @@
     </p:spTree>
     <p:extLst>
       <p:ext uri="{BB962C8B-B14F-4D97-AF65-F5344CB8AC3E}">
-        <p14:creationId xmlns="" xmlns:p14="http://schemas.microsoft.com/office/powerpoint/2010/main" val="1898811129"/>
+        <p14:creationId xmlns:p14="http://schemas.microsoft.com/office/powerpoint/2010/main" xmlns="" val="1898811129"/>
       </p:ext>
     </p:extLst>
+  </p:cSld>
+  <p:clrMapOvr>
+    <a:masterClrMapping/>
+  </p:clrMapOvr>
+  <p:timing>
+    <p:tnLst>
+      <p:par>
+        <p:cTn id="1" dur="indefinite" restart="never" nodeType="tmRoot"/>
+      </p:par>
+    </p:tnLst>
+  </p:timing>
+</p:sld>
+</file>
+
+<file path=ppt/slides/slide14.xml><?xml version="1.0" encoding="utf-8"?>
+<p:sld xmlns:a="http://schemas.openxmlformats.org/drawingml/2006/main" xmlns:r="http://schemas.openxmlformats.org/officeDocument/2006/relationships" xmlns:p="http://schemas.openxmlformats.org/presentationml/2006/main">
+  <p:cSld>
+    <p:spTree>
+      <p:nvGrpSpPr>
+        <p:cNvPr id="1" name=""/>
+        <p:cNvGrpSpPr/>
+        <p:nvPr/>
+      </p:nvGrpSpPr>
+      <p:grpSpPr>
+        <a:xfrm>
+          <a:off x="0" y="0"/>
+          <a:ext cx="0" cy="0"/>
+          <a:chOff x="0" y="0"/>
+          <a:chExt cx="0" cy="0"/>
+        </a:xfrm>
+      </p:grpSpPr>
+      <p:sp>
+        <p:nvSpPr>
+          <p:cNvPr id="2" name="Titel 1"/>
+          <p:cNvSpPr>
+            <a:spLocks noGrp="1"/>
+          </p:cNvSpPr>
+          <p:nvPr>
+            <p:ph type="title"/>
+          </p:nvPr>
+        </p:nvSpPr>
+        <p:spPr/>
+        <p:txBody>
+          <a:bodyPr/>
+          <a:lstStyle/>
+          <a:p>
+            <a:r>
+              <a:rPr lang="nl-NL" dirty="0" err="1" smtClean="0"/>
+              <a:t>Drinks</a:t>
+            </a:r>
+            <a:r>
+              <a:rPr lang="nl-NL" dirty="0" smtClean="0"/>
+              <a:t>!</a:t>
+            </a:r>
+            <a:endParaRPr lang="nl-NL" dirty="0"/>
+          </a:p>
+        </p:txBody>
+      </p:sp>
+      <p:sp>
+        <p:nvSpPr>
+          <p:cNvPr id="3" name="Tijdelijke aanduiding voor inhoud 2"/>
+          <p:cNvSpPr>
+            <a:spLocks noGrp="1"/>
+          </p:cNvSpPr>
+          <p:nvPr>
+            <p:ph sz="quarter" idx="1"/>
+          </p:nvPr>
+        </p:nvSpPr>
+        <p:spPr/>
+        <p:txBody>
+          <a:bodyPr/>
+          <a:lstStyle/>
+          <a:p>
+            <a:endParaRPr lang="nl-NL"/>
+          </a:p>
+        </p:txBody>
+      </p:sp>
+      <p:pic>
+        <p:nvPicPr>
+          <p:cNvPr id="29698" name="Picture 2" descr="http://perfeqt.nl/wp-content/uploads/2015/01/vrijmibo-logo.png"/>
+          <p:cNvPicPr>
+            <a:picLocks noChangeAspect="1" noChangeArrowheads="1"/>
+          </p:cNvPicPr>
+          <p:nvPr/>
+        </p:nvPicPr>
+        <p:blipFill>
+          <a:blip r:embed="rId2" cstate="print"/>
+          <a:srcRect/>
+          <a:stretch>
+            <a:fillRect/>
+          </a:stretch>
+        </p:blipFill>
+        <p:spPr bwMode="auto">
+          <a:xfrm>
+            <a:off x="755576" y="797869"/>
+            <a:ext cx="7848872" cy="6060131"/>
+          </a:xfrm>
+          <a:prstGeom prst="rect">
+            <a:avLst/>
+          </a:prstGeom>
+          <a:noFill/>
+        </p:spPr>
+      </p:pic>
+    </p:spTree>
   </p:cSld>
   <p:clrMapOvr>
     <a:masterClrMapping/>
@@ -4677,7 +4987,7 @@
           <a:blip r:embed="rId2" cstate="print">
             <a:extLst>
               <a:ext uri="{28A0092B-C50C-407E-A947-70E740481C1C}">
-                <a14:useLocalDpi xmlns="" xmlns:a14="http://schemas.microsoft.com/office/drawing/2010/main" val="0"/>
+                <a14:useLocalDpi xmlns:a14="http://schemas.microsoft.com/office/drawing/2010/main" xmlns="" val="0"/>
               </a:ext>
             </a:extLst>
           </a:blip>
@@ -4688,8 +4998,8 @@
         </p:blipFill>
         <p:spPr bwMode="auto">
           <a:xfrm>
-            <a:off x="1368168" y="1447800"/>
-            <a:ext cx="6864864" cy="4572000"/>
+            <a:off x="539552" y="1268760"/>
+            <a:ext cx="8064896" cy="5371221"/>
           </a:xfrm>
           <a:prstGeom prst="rect">
             <a:avLst/>
@@ -4700,14 +5010,14 @@
           </a:ln>
           <a:extLst>
             <a:ext uri="{909E8E84-426E-40DD-AFC4-6F175D3DCCD1}">
-              <a14:hiddenFill xmlns="" xmlns:a14="http://schemas.microsoft.com/office/drawing/2010/main">
+              <a14:hiddenFill xmlns:a14="http://schemas.microsoft.com/office/drawing/2010/main" xmlns="">
                 <a:solidFill>
                   <a:schemeClr val="accent1"/>
                 </a:solidFill>
               </a14:hiddenFill>
             </a:ext>
             <a:ext uri="{91240B29-F687-4F45-9708-019B960494DF}">
-              <a14:hiddenLine xmlns="" xmlns:a14="http://schemas.microsoft.com/office/drawing/2010/main" w="9525">
+              <a14:hiddenLine xmlns:a14="http://schemas.microsoft.com/office/drawing/2010/main" xmlns="" w="9525">
                 <a:solidFill>
                   <a:schemeClr val="tx1"/>
                 </a:solidFill>
@@ -4722,7 +5032,7 @@
     </p:spTree>
     <p:extLst>
       <p:ext uri="{BB962C8B-B14F-4D97-AF65-F5344CB8AC3E}">
-        <p14:creationId xmlns="" xmlns:p14="http://schemas.microsoft.com/office/powerpoint/2010/main" val="1016662183"/>
+        <p14:creationId xmlns:p14="http://schemas.microsoft.com/office/powerpoint/2010/main" xmlns="" val="1016662183"/>
       </p:ext>
     </p:extLst>
   </p:cSld>
@@ -4810,7 +5120,7 @@
           <a:blip r:embed="rId2" cstate="print">
             <a:extLst>
               <a:ext uri="{28A0092B-C50C-407E-A947-70E740481C1C}">
-                <a14:useLocalDpi xmlns="" xmlns:a14="http://schemas.microsoft.com/office/drawing/2010/main" val="0"/>
+                <a14:useLocalDpi xmlns:a14="http://schemas.microsoft.com/office/drawing/2010/main" xmlns="" val="0"/>
               </a:ext>
             </a:extLst>
           </a:blip>
@@ -4830,7 +5140,7 @@
           <a:noFill/>
           <a:extLst>
             <a:ext uri="{909E8E84-426E-40DD-AFC4-6F175D3DCCD1}">
-              <a14:hiddenFill xmlns="" xmlns:a14="http://schemas.microsoft.com/office/drawing/2010/main">
+              <a14:hiddenFill xmlns:a14="http://schemas.microsoft.com/office/drawing/2010/main" xmlns="">
                 <a:solidFill>
                   <a:srgbClr val="FFFFFF"/>
                 </a:solidFill>
@@ -4842,7 +5152,7 @@
     </p:spTree>
     <p:extLst>
       <p:ext uri="{BB962C8B-B14F-4D97-AF65-F5344CB8AC3E}">
-        <p14:creationId xmlns="" xmlns:p14="http://schemas.microsoft.com/office/powerpoint/2010/main" val="1621369658"/>
+        <p14:creationId xmlns:p14="http://schemas.microsoft.com/office/powerpoint/2010/main" xmlns="" val="1621369658"/>
       </p:ext>
     </p:extLst>
   </p:cSld>
@@ -4953,7 +5263,7 @@
     </p:spTree>
     <p:extLst>
       <p:ext uri="{BB962C8B-B14F-4D97-AF65-F5344CB8AC3E}">
-        <p14:creationId xmlns="" xmlns:p14="http://schemas.microsoft.com/office/powerpoint/2010/main" val="3883581678"/>
+        <p14:creationId xmlns:p14="http://schemas.microsoft.com/office/powerpoint/2010/main" xmlns="" val="3883581678"/>
       </p:ext>
     </p:extLst>
   </p:cSld>
@@ -5004,11 +5314,7 @@
           <a:p>
             <a:r>
               <a:rPr lang="nl-NL" dirty="0" smtClean="0"/>
-              <a:t>Spring MVC </a:t>
-            </a:r>
-            <a:r>
-              <a:rPr lang="nl-NL" dirty="0" smtClean="0"/>
-              <a:t>– View &amp; JSTL</a:t>
+              <a:t>Spring MVC – View &amp; JSTL</a:t>
             </a:r>
             <a:endParaRPr lang="nl-NL" dirty="0"/>
           </a:p>
@@ -5045,7 +5351,7 @@
           <a:blip r:embed="rId2" cstate="print">
             <a:extLst>
               <a:ext uri="{28A0092B-C50C-407E-A947-70E740481C1C}">
-                <a14:useLocalDpi xmlns="" xmlns:a14="http://schemas.microsoft.com/office/drawing/2010/main" val="0"/>
+                <a14:useLocalDpi xmlns:a14="http://schemas.microsoft.com/office/drawing/2010/main" xmlns="" val="0"/>
               </a:ext>
             </a:extLst>
           </a:blip>
@@ -5068,14 +5374,14 @@
           </a:ln>
           <a:extLst>
             <a:ext uri="{909E8E84-426E-40DD-AFC4-6F175D3DCCD1}">
-              <a14:hiddenFill xmlns="" xmlns:a14="http://schemas.microsoft.com/office/drawing/2010/main">
+              <a14:hiddenFill xmlns:a14="http://schemas.microsoft.com/office/drawing/2010/main" xmlns="">
                 <a:solidFill>
                   <a:schemeClr val="accent1"/>
                 </a:solidFill>
               </a14:hiddenFill>
             </a:ext>
             <a:ext uri="{91240B29-F687-4F45-9708-019B960494DF}">
-              <a14:hiddenLine xmlns="" xmlns:a14="http://schemas.microsoft.com/office/drawing/2010/main" w="9525">
+              <a14:hiddenLine xmlns:a14="http://schemas.microsoft.com/office/drawing/2010/main" xmlns="" w="9525">
                 <a:solidFill>
                   <a:schemeClr val="tx1"/>
                 </a:solidFill>
@@ -5099,7 +5405,7 @@
           <a:blip r:embed="rId3" cstate="print">
             <a:extLst>
               <a:ext uri="{28A0092B-C50C-407E-A947-70E740481C1C}">
-                <a14:useLocalDpi xmlns="" xmlns:a14="http://schemas.microsoft.com/office/drawing/2010/main" val="0"/>
+                <a14:useLocalDpi xmlns:a14="http://schemas.microsoft.com/office/drawing/2010/main" xmlns="" val="0"/>
               </a:ext>
             </a:extLst>
           </a:blip>
@@ -5119,7 +5425,7 @@
           <a:noFill/>
           <a:extLst>
             <a:ext uri="{909E8E84-426E-40DD-AFC4-6F175D3DCCD1}">
-              <a14:hiddenFill xmlns="" xmlns:a14="http://schemas.microsoft.com/office/drawing/2010/main">
+              <a14:hiddenFill xmlns:a14="http://schemas.microsoft.com/office/drawing/2010/main" xmlns="">
                 <a:solidFill>
                   <a:srgbClr val="FFFFFF"/>
                 </a:solidFill>
@@ -5131,7 +5437,7 @@
     </p:spTree>
     <p:extLst>
       <p:ext uri="{BB962C8B-B14F-4D97-AF65-F5344CB8AC3E}">
-        <p14:creationId xmlns="" xmlns:p14="http://schemas.microsoft.com/office/powerpoint/2010/main" val="1027006560"/>
+        <p14:creationId xmlns:p14="http://schemas.microsoft.com/office/powerpoint/2010/main" xmlns="" val="1027006560"/>
       </p:ext>
     </p:extLst>
   </p:cSld>
@@ -5165,6 +5471,47 @@
           <a:chExt cx="0" cy="0"/>
         </a:xfrm>
       </p:grpSpPr>
+      <p:pic>
+        <p:nvPicPr>
+          <p:cNvPr id="5124" name="Picture 4" descr="http://www.thenetworkforgood.org/t5/image/serverpage/image-id/783i8B118796C85E8B7A/image-size/original?v=mpbl-1&amp;px=-1"/>
+          <p:cNvPicPr>
+            <a:picLocks noChangeAspect="1" noChangeArrowheads="1"/>
+          </p:cNvPicPr>
+          <p:nvPr/>
+        </p:nvPicPr>
+        <p:blipFill>
+          <a:blip r:embed="rId2" cstate="print">
+            <a:extLst>
+              <a:ext uri="{28A0092B-C50C-407E-A947-70E740481C1C}">
+                <a14:useLocalDpi xmlns:a14="http://schemas.microsoft.com/office/drawing/2010/main" xmlns="" val="0"/>
+              </a:ext>
+            </a:extLst>
+          </a:blip>
+          <a:srcRect/>
+          <a:stretch>
+            <a:fillRect/>
+          </a:stretch>
+        </p:blipFill>
+        <p:spPr bwMode="auto">
+          <a:xfrm>
+            <a:off x="6444208" y="3572018"/>
+            <a:ext cx="2241823" cy="2147182"/>
+          </a:xfrm>
+          <a:prstGeom prst="rect">
+            <a:avLst/>
+          </a:prstGeom>
+          <a:noFill/>
+          <a:extLst>
+            <a:ext uri="{909E8E84-426E-40DD-AFC4-6F175D3DCCD1}">
+              <a14:hiddenFill xmlns:a14="http://schemas.microsoft.com/office/drawing/2010/main" xmlns="">
+                <a:solidFill>
+                  <a:srgbClr val="FFFFFF"/>
+                </a:solidFill>
+              </a14:hiddenFill>
+            </a:ext>
+          </a:extLst>
+        </p:spPr>
+      </p:pic>
       <p:sp>
         <p:nvSpPr>
           <p:cNvPr id="2" name="Titel 1"/>
@@ -5230,10 +5577,10 @@
           <p:nvPr/>
         </p:nvPicPr>
         <p:blipFill>
-          <a:blip r:embed="rId2" cstate="print">
+          <a:blip r:embed="rId3" cstate="print">
             <a:extLst>
               <a:ext uri="{28A0092B-C50C-407E-A947-70E740481C1C}">
-                <a14:useLocalDpi xmlns="" xmlns:a14="http://schemas.microsoft.com/office/drawing/2010/main" val="0"/>
+                <a14:useLocalDpi xmlns:a14="http://schemas.microsoft.com/office/drawing/2010/main" xmlns="" val="0"/>
               </a:ext>
             </a:extLst>
           </a:blip>
@@ -5245,7 +5592,7 @@
         <p:spPr bwMode="auto">
           <a:xfrm>
             <a:off x="179512" y="1340768"/>
-            <a:ext cx="6624736" cy="4928158"/>
+            <a:ext cx="6624736" cy="5256584"/>
           </a:xfrm>
           <a:prstGeom prst="rect">
             <a:avLst/>
@@ -5256,14 +5603,14 @@
           </a:ln>
           <a:extLst>
             <a:ext uri="{909E8E84-426E-40DD-AFC4-6F175D3DCCD1}">
-              <a14:hiddenFill xmlns="" xmlns:a14="http://schemas.microsoft.com/office/drawing/2010/main">
+              <a14:hiddenFill xmlns:a14="http://schemas.microsoft.com/office/drawing/2010/main" xmlns="">
                 <a:solidFill>
                   <a:schemeClr val="accent1"/>
                 </a:solidFill>
               </a14:hiddenFill>
             </a:ext>
             <a:ext uri="{91240B29-F687-4F45-9708-019B960494DF}">
-              <a14:hiddenLine xmlns="" xmlns:a14="http://schemas.microsoft.com/office/drawing/2010/main" w="9525">
+              <a14:hiddenLine xmlns:a14="http://schemas.microsoft.com/office/drawing/2010/main" xmlns="" w="9525">
                 <a:solidFill>
                   <a:schemeClr val="tx1"/>
                 </a:solidFill>
@@ -5284,10 +5631,10 @@
           <p:nvPr/>
         </p:nvPicPr>
         <p:blipFill>
-          <a:blip r:embed="rId3" cstate="print">
+          <a:blip r:embed="rId4" cstate="print">
             <a:extLst>
               <a:ext uri="{28A0092B-C50C-407E-A947-70E740481C1C}">
-                <a14:useLocalDpi xmlns="" xmlns:a14="http://schemas.microsoft.com/office/drawing/2010/main" val="0"/>
+                <a14:useLocalDpi xmlns:a14="http://schemas.microsoft.com/office/drawing/2010/main" xmlns="" val="0"/>
               </a:ext>
             </a:extLst>
           </a:blip>
@@ -5310,14 +5657,14 @@
           </a:ln>
           <a:extLst>
             <a:ext uri="{909E8E84-426E-40DD-AFC4-6F175D3DCCD1}">
-              <a14:hiddenFill xmlns="" xmlns:a14="http://schemas.microsoft.com/office/drawing/2010/main">
+              <a14:hiddenFill xmlns:a14="http://schemas.microsoft.com/office/drawing/2010/main" xmlns="">
                 <a:solidFill>
                   <a:schemeClr val="accent1"/>
                 </a:solidFill>
               </a14:hiddenFill>
             </a:ext>
             <a:ext uri="{91240B29-F687-4F45-9708-019B960494DF}">
-              <a14:hiddenLine xmlns="" xmlns:a14="http://schemas.microsoft.com/office/drawing/2010/main" w="9525">
+              <a14:hiddenLine xmlns:a14="http://schemas.microsoft.com/office/drawing/2010/main" xmlns="" w="9525">
                 <a:solidFill>
                   <a:schemeClr val="tx1"/>
                 </a:solidFill>
@@ -5329,51 +5676,10 @@
           </a:extLst>
         </p:spPr>
       </p:pic>
-      <p:pic>
-        <p:nvPicPr>
-          <p:cNvPr id="5124" name="Picture 4" descr="http://www.thenetworkforgood.org/t5/image/serverpage/image-id/783i8B118796C85E8B7A/image-size/original?v=mpbl-1&amp;px=-1"/>
-          <p:cNvPicPr>
-            <a:picLocks noChangeAspect="1" noChangeArrowheads="1"/>
-          </p:cNvPicPr>
-          <p:nvPr/>
-        </p:nvPicPr>
-        <p:blipFill>
-          <a:blip r:embed="rId4" cstate="print">
-            <a:extLst>
-              <a:ext uri="{28A0092B-C50C-407E-A947-70E740481C1C}">
-                <a14:useLocalDpi xmlns="" xmlns:a14="http://schemas.microsoft.com/office/drawing/2010/main" val="0"/>
-              </a:ext>
-            </a:extLst>
-          </a:blip>
-          <a:srcRect/>
-          <a:stretch>
-            <a:fillRect/>
-          </a:stretch>
-        </p:blipFill>
-        <p:spPr bwMode="auto">
-          <a:xfrm>
-            <a:off x="6444208" y="3572018"/>
-            <a:ext cx="2241823" cy="2147182"/>
-          </a:xfrm>
-          <a:prstGeom prst="rect">
-            <a:avLst/>
-          </a:prstGeom>
-          <a:noFill/>
-          <a:extLst>
-            <a:ext uri="{909E8E84-426E-40DD-AFC4-6F175D3DCCD1}">
-              <a14:hiddenFill xmlns="" xmlns:a14="http://schemas.microsoft.com/office/drawing/2010/main">
-                <a:solidFill>
-                  <a:srgbClr val="FFFFFF"/>
-                </a:solidFill>
-              </a14:hiddenFill>
-            </a:ext>
-          </a:extLst>
-        </p:spPr>
-      </p:pic>
     </p:spTree>
     <p:extLst>
       <p:ext uri="{BB962C8B-B14F-4D97-AF65-F5344CB8AC3E}">
-        <p14:creationId xmlns="" xmlns:p14="http://schemas.microsoft.com/office/powerpoint/2010/main" val="931745605"/>
+        <p14:creationId xmlns:p14="http://schemas.microsoft.com/office/powerpoint/2010/main" xmlns="" val="931745605"/>
       </p:ext>
     </p:extLst>
   </p:cSld>
@@ -5493,7 +5799,7 @@
           <a:blip r:embed="rId3" cstate="print">
             <a:extLst>
               <a:ext uri="{28A0092B-C50C-407E-A947-70E740481C1C}">
-                <a14:useLocalDpi xmlns="" xmlns:a14="http://schemas.microsoft.com/office/drawing/2010/main" val="0"/>
+                <a14:useLocalDpi xmlns:a14="http://schemas.microsoft.com/office/drawing/2010/main" xmlns="" val="0"/>
               </a:ext>
             </a:extLst>
           </a:blip>
@@ -5513,7 +5819,7 @@
           <a:noFill/>
           <a:extLst>
             <a:ext uri="{909E8E84-426E-40DD-AFC4-6F175D3DCCD1}">
-              <a14:hiddenFill xmlns="" xmlns:a14="http://schemas.microsoft.com/office/drawing/2010/main">
+              <a14:hiddenFill xmlns:a14="http://schemas.microsoft.com/office/drawing/2010/main" xmlns="">
                 <a:solidFill>
                   <a:srgbClr val="FFFFFF"/>
                 </a:solidFill>
@@ -5525,7 +5831,7 @@
     </p:spTree>
     <p:extLst>
       <p:ext uri="{BB962C8B-B14F-4D97-AF65-F5344CB8AC3E}">
-        <p14:creationId xmlns="" xmlns:p14="http://schemas.microsoft.com/office/powerpoint/2010/main" val="1965296861"/>
+        <p14:creationId xmlns:p14="http://schemas.microsoft.com/office/powerpoint/2010/main" xmlns="" val="1965296861"/>
       </p:ext>
     </p:extLst>
   </p:cSld>
@@ -5621,7 +5927,7 @@
           <a:blip r:embed="rId3" cstate="print">
             <a:extLst>
               <a:ext uri="{28A0092B-C50C-407E-A947-70E740481C1C}">
-                <a14:useLocalDpi xmlns="" xmlns:a14="http://schemas.microsoft.com/office/drawing/2010/main" val="0"/>
+                <a14:useLocalDpi xmlns:a14="http://schemas.microsoft.com/office/drawing/2010/main" xmlns="" val="0"/>
               </a:ext>
             </a:extLst>
           </a:blip>
@@ -5644,14 +5950,14 @@
           </a:ln>
           <a:extLst>
             <a:ext uri="{909E8E84-426E-40DD-AFC4-6F175D3DCCD1}">
-              <a14:hiddenFill xmlns="" xmlns:a14="http://schemas.microsoft.com/office/drawing/2010/main">
+              <a14:hiddenFill xmlns:a14="http://schemas.microsoft.com/office/drawing/2010/main" xmlns="">
                 <a:solidFill>
                   <a:schemeClr val="accent1"/>
                 </a:solidFill>
               </a14:hiddenFill>
             </a:ext>
             <a:ext uri="{91240B29-F687-4F45-9708-019B960494DF}">
-              <a14:hiddenLine xmlns="" xmlns:a14="http://schemas.microsoft.com/office/drawing/2010/main" w="9525">
+              <a14:hiddenLine xmlns:a14="http://schemas.microsoft.com/office/drawing/2010/main" xmlns="" w="9525">
                 <a:solidFill>
                   <a:schemeClr val="tx1"/>
                 </a:solidFill>
@@ -5770,7 +6076,7 @@
     </p:spTree>
     <p:extLst>
       <p:ext uri="{BB962C8B-B14F-4D97-AF65-F5344CB8AC3E}">
-        <p14:creationId xmlns="" xmlns:p14="http://schemas.microsoft.com/office/powerpoint/2010/main" val="3598662363"/>
+        <p14:creationId xmlns:p14="http://schemas.microsoft.com/office/powerpoint/2010/main" xmlns="" val="3598662363"/>
       </p:ext>
     </p:extLst>
   </p:cSld>
@@ -5821,7 +6127,7 @@
           <a:p>
             <a:r>
               <a:rPr lang="nl-NL" dirty="0" smtClean="0"/>
-              <a:t>AJAX </a:t>
+              <a:t>Data Access Object</a:t>
             </a:r>
             <a:endParaRPr lang="nl-NL" dirty="0"/>
           </a:p>
@@ -5842,13 +6148,13 @@
           <a:bodyPr/>
           <a:lstStyle/>
           <a:p>
-            <a:endParaRPr lang="nl-NL" dirty="0"/>
+            <a:endParaRPr lang="nl-NL"/>
           </a:p>
         </p:txBody>
       </p:sp>
       <p:pic>
         <p:nvPicPr>
-          <p:cNvPr id="3074" name="Picture 2"/>
+          <p:cNvPr id="1026" name="Picture 2"/>
           <p:cNvPicPr>
             <a:picLocks noChangeAspect="1" noChangeArrowheads="1"/>
           </p:cNvPicPr>
@@ -5863,8 +6169,8 @@
         </p:blipFill>
         <p:spPr bwMode="auto">
           <a:xfrm>
-            <a:off x="66725" y="1414091"/>
-            <a:ext cx="8919219" cy="4205044"/>
+            <a:off x="86557" y="1237063"/>
+            <a:ext cx="10266811" cy="5554419"/>
           </a:xfrm>
           <a:prstGeom prst="rect">
             <a:avLst/>
@@ -5878,44 +6184,7 @@
           </a:ln>
         </p:spPr>
       </p:pic>
-      <p:pic>
-        <p:nvPicPr>
-          <p:cNvPr id="3075" name="Picture 3"/>
-          <p:cNvPicPr>
-            <a:picLocks noChangeAspect="1" noChangeArrowheads="1"/>
-          </p:cNvPicPr>
-          <p:nvPr/>
-        </p:nvPicPr>
-        <p:blipFill>
-          <a:blip r:embed="rId3" cstate="print"/>
-          <a:srcRect/>
-          <a:stretch>
-            <a:fillRect/>
-          </a:stretch>
-        </p:blipFill>
-        <p:spPr bwMode="auto">
-          <a:xfrm>
-            <a:off x="6876256" y="4797152"/>
-            <a:ext cx="2019994" cy="1829569"/>
-          </a:xfrm>
-          <a:prstGeom prst="rect">
-            <a:avLst/>
-          </a:prstGeom>
-          <a:noFill/>
-          <a:ln w="9525">
-            <a:noFill/>
-            <a:miter lim="800000"/>
-            <a:headEnd/>
-            <a:tailEnd/>
-          </a:ln>
-        </p:spPr>
-      </p:pic>
     </p:spTree>
-    <p:extLst>
-      <p:ext uri="{BB962C8B-B14F-4D97-AF65-F5344CB8AC3E}">
-        <p14:creationId xmlns="" xmlns:p14="http://schemas.microsoft.com/office/powerpoint/2010/main" val="1561711929"/>
-      </p:ext>
-    </p:extLst>
   </p:cSld>
   <p:clrMapOvr>
     <a:masterClrMapping/>
